--- a/WebContent/WEB-INF/templates/Shivaratri2019/master.pptx
+++ b/WebContent/WEB-INF/templates/Shivaratri2019/master.pptx
@@ -5661,47 +5661,12 @@
       </p:sp>
       <p:pic>
         <p:nvPicPr>
-          <p:cNvPr id="81" name="Google Shape;81;p15" descr="Sarva Dharma Logo"/>
+          <p:cNvPr id="82" name="Google Shape;82;p15"/>
           <p:cNvPicPr preferRelativeResize="0"/>
           <p:nvPr/>
         </p:nvPicPr>
         <p:blipFill>
           <a:blip r:embed="rId3">
-            <a:alphaModFix/>
-          </a:blip>
-          <a:stretch>
-            <a:fillRect/>
-          </a:stretch>
-        </p:blipFill>
-        <p:spPr>
-          <a:xfrm>
-            <a:off x="7608175" y="314588"/>
-            <a:ext cx="1213675" cy="1221825"/>
-          </a:xfrm>
-          <a:prstGeom prst="rect">
-            <a:avLst/>
-          </a:prstGeom>
-          <a:noFill/>
-          <a:ln>
-            <a:noFill/>
-          </a:ln>
-          <a:effectLst>
-            <a:outerShdw blurRad="342900" dist="76200" dir="300000" algn="bl" rotWithShape="0">
-              <a:srgbClr val="FF9900">
-                <a:alpha val="75000"/>
-              </a:srgbClr>
-            </a:outerShdw>
-          </a:effectLst>
-        </p:spPr>
-      </p:pic>
-      <p:pic>
-        <p:nvPicPr>
-          <p:cNvPr id="82" name="Google Shape;82;p15"/>
-          <p:cNvPicPr preferRelativeResize="0"/>
-          <p:nvPr/>
-        </p:nvPicPr>
-        <p:blipFill>
-          <a:blip r:embed="rId4">
             <a:alphaModFix/>
           </a:blip>
           <a:stretch>
@@ -5883,7 +5848,7 @@
           <p:nvPr/>
         </p:nvPicPr>
         <p:blipFill rotWithShape="1">
-          <a:blip r:embed="rId5">
+          <a:blip r:embed="rId4">
             <a:alphaModFix amt="95000"/>
           </a:blip>
           <a:srcRect l="9063" r="16275"/>
@@ -6042,6 +6007,42 @@
           </a:p>
         </p:txBody>
       </p:sp>
+      <p:pic>
+        <p:nvPicPr>
+          <p:cNvPr id="13" name="Picture 12">
+            <a:extLst>
+              <a:ext uri="{FF2B5EF4-FFF2-40B4-BE49-F238E27FC236}">
+                <a16:creationId xmlns:a16="http://schemas.microsoft.com/office/drawing/2014/main" id="{EFA7A9D5-8929-7641-B607-28E6746BF314}"/>
+              </a:ext>
+            </a:extLst>
+          </p:cNvPr>
+          <p:cNvPicPr>
+            <a:picLocks noChangeAspect="1"/>
+          </p:cNvPicPr>
+          <p:nvPr/>
+        </p:nvPicPr>
+        <p:blipFill>
+          <a:blip r:embed="rId5">
+            <a:extLst>
+              <a:ext uri="{28A0092B-C50C-407E-A947-70E740481C1C}">
+                <a14:useLocalDpi xmlns:a14="http://schemas.microsoft.com/office/drawing/2010/main" val="0"/>
+              </a:ext>
+            </a:extLst>
+          </a:blip>
+          <a:stretch>
+            <a:fillRect/>
+          </a:stretch>
+        </p:blipFill>
+        <p:spPr>
+          <a:xfrm>
+            <a:off x="7598174" y="89557"/>
+            <a:ext cx="1386394" cy="1396050"/>
+          </a:xfrm>
+          <a:prstGeom prst="rect">
+            <a:avLst/>
+          </a:prstGeom>
+        </p:spPr>
+      </p:pic>
     </p:spTree>
     <p:extLst>
       <p:ext uri="{BB962C8B-B14F-4D97-AF65-F5344CB8AC3E}">

--- a/WebContent/WEB-INF/templates/Shivaratri2019/master.pptx
+++ b/WebContent/WEB-INF/templates/Shivaratri2019/master.pptx
@@ -5888,6 +5888,7 @@
           <a:prstGeom prst="rect">
             <a:avLst/>
           </a:prstGeom>
+          <a:noFill/>
         </p:spPr>
         <p:txBody>
           <a:bodyPr/>
@@ -5896,9 +5897,8 @@
             <a:r>
               <a:rPr lang="en-US" sz="1800" dirty="0" err="1">
                 <a:solidFill>
-                  <a:schemeClr val="tx1">
-                    <a:lumMod val="65000"/>
-                    <a:lumOff val="35000"/>
+                  <a:schemeClr val="bg1">
+                    <a:lumMod val="75000"/>
                   </a:schemeClr>
                 </a:solidFill>
                 <a:latin typeface="Trebuchet MS" panose="020B0703020202090204" pitchFamily="34" charset="0"/>
@@ -5907,9 +5907,8 @@
             </a:r>
             <a:endParaRPr lang="en-US" sz="1800" dirty="0">
               <a:solidFill>
-                <a:schemeClr val="tx1">
-                  <a:lumMod val="65000"/>
-                  <a:lumOff val="35000"/>
+                <a:schemeClr val="bg1">
+                  <a:lumMod val="75000"/>
                 </a:schemeClr>
               </a:solidFill>
               <a:latin typeface="Trebuchet MS" panose="020B0703020202090204" pitchFamily="34" charset="0"/>
@@ -5937,6 +5936,7 @@
           <a:prstGeom prst="rect">
             <a:avLst/>
           </a:prstGeom>
+          <a:noFill/>
         </p:spPr>
         <p:txBody>
           <a:bodyPr/>
@@ -5945,9 +5945,8 @@
             <a:r>
               <a:rPr lang="en-US" sz="1800" dirty="0" err="1">
                 <a:solidFill>
-                  <a:schemeClr val="tx1">
-                    <a:lumMod val="65000"/>
-                    <a:lumOff val="35000"/>
+                  <a:schemeClr val="bg1">
+                    <a:lumMod val="75000"/>
                   </a:schemeClr>
                 </a:solidFill>
                 <a:latin typeface="Trebuchet MS" panose="020B0703020202090204" pitchFamily="34" charset="0"/>
@@ -5956,9 +5955,8 @@
             </a:r>
             <a:endParaRPr lang="en-US" sz="1800" dirty="0">
               <a:solidFill>
-                <a:schemeClr val="tx1">
-                  <a:lumMod val="65000"/>
-                  <a:lumOff val="35000"/>
+                <a:schemeClr val="bg1">
+                  <a:lumMod val="75000"/>
                 </a:schemeClr>
               </a:solidFill>
               <a:latin typeface="Trebuchet MS" panose="020B0703020202090204" pitchFamily="34" charset="0"/>
@@ -5986,6 +5984,7 @@
           <a:prstGeom prst="rect">
             <a:avLst/>
           </a:prstGeom>
+          <a:noFill/>
         </p:spPr>
         <p:txBody>
           <a:bodyPr/>
@@ -5995,9 +5994,8 @@
             <a:r>
               <a:rPr lang="en-US" sz="1800" dirty="0">
                 <a:solidFill>
-                  <a:schemeClr val="tx1">
-                    <a:lumMod val="65000"/>
-                    <a:lumOff val="35000"/>
+                  <a:schemeClr val="bg1">
+                    <a:lumMod val="75000"/>
                   </a:schemeClr>
                 </a:solidFill>
                 <a:latin typeface="Trebuchet MS" panose="020B0703020202090204" pitchFamily="34" charset="0"/>

--- a/WebContent/WEB-INF/templates/Shivaratri2019/master.pptx
+++ b/WebContent/WEB-INF/templates/Shivaratri2019/master.pptx
@@ -5392,7 +5392,9 @@
           <a:prstGeom prst="rect">
             <a:avLst/>
           </a:prstGeom>
-          <a:noFill/>
+          <a:solidFill>
+            <a:schemeClr val="tx1"/>
+          </a:solidFill>
           <a:ln>
             <a:noFill/>
           </a:ln>
@@ -5456,7 +5458,9 @@
           <a:prstGeom prst="rect">
             <a:avLst/>
           </a:prstGeom>
-          <a:noFill/>
+          <a:solidFill>
+            <a:schemeClr val="tx1"/>
+          </a:solidFill>
           <a:ln>
             <a:noFill/>
           </a:ln>
@@ -5777,7 +5781,9 @@
           <a:prstGeom prst="rect">
             <a:avLst/>
           </a:prstGeom>
-          <a:noFill/>
+          <a:solidFill>
+            <a:schemeClr val="tx1"/>
+          </a:solidFill>
           <a:ln>
             <a:noFill/>
           </a:ln>
@@ -5888,7 +5894,9 @@
           <a:prstGeom prst="rect">
             <a:avLst/>
           </a:prstGeom>
-          <a:noFill/>
+          <a:solidFill>
+            <a:schemeClr val="tx1"/>
+          </a:solidFill>
         </p:spPr>
         <p:txBody>
           <a:bodyPr/>
@@ -5936,7 +5944,9 @@
           <a:prstGeom prst="rect">
             <a:avLst/>
           </a:prstGeom>
-          <a:noFill/>
+          <a:solidFill>
+            <a:schemeClr val="tx1"/>
+          </a:solidFill>
         </p:spPr>
         <p:txBody>
           <a:bodyPr/>
@@ -5984,7 +5994,9 @@
           <a:prstGeom prst="rect">
             <a:avLst/>
           </a:prstGeom>
-          <a:noFill/>
+          <a:solidFill>
+            <a:schemeClr val="tx1"/>
+          </a:solidFill>
         </p:spPr>
         <p:txBody>
           <a:bodyPr/>

--- a/WebContent/WEB-INF/templates/Shivaratri2019/master.pptx
+++ b/WebContent/WEB-INF/templates/Shivaratri2019/master.pptx
@@ -5392,9 +5392,7 @@
           <a:prstGeom prst="rect">
             <a:avLst/>
           </a:prstGeom>
-          <a:solidFill>
-            <a:schemeClr val="tx1"/>
-          </a:solidFill>
+          <a:noFill/>
           <a:ln>
             <a:noFill/>
           </a:ln>
@@ -5452,15 +5450,13 @@
         </p:nvSpPr>
         <p:spPr>
           <a:xfrm>
-            <a:off x="3489880" y="866361"/>
+            <a:off x="3489880" y="1175111"/>
             <a:ext cx="2096727" cy="356700"/>
           </a:xfrm>
           <a:prstGeom prst="rect">
             <a:avLst/>
           </a:prstGeom>
-          <a:solidFill>
-            <a:schemeClr val="tx1"/>
-          </a:solidFill>
+          <a:noFill/>
           <a:ln>
             <a:noFill/>
           </a:ln>
@@ -5693,82 +5689,6 @@
       </p:pic>
       <p:sp>
         <p:nvSpPr>
-          <p:cNvPr id="83" name="Google Shape;83;p15"/>
-          <p:cNvSpPr/>
-          <p:nvPr/>
-        </p:nvSpPr>
-        <p:spPr>
-          <a:xfrm>
-            <a:off x="2082900" y="230175"/>
-            <a:ext cx="5253158" cy="356700"/>
-          </a:xfrm>
-          <a:prstGeom prst="rect">
-            <a:avLst/>
-          </a:prstGeom>
-        </p:spPr>
-        <p:txBody>
-          <a:bodyPr>
-            <a:prstTxWarp prst="textPlain">
-              <a:avLst/>
-            </a:prstTxWarp>
-          </a:bodyPr>
-          <a:lstStyle/>
-          <a:p>
-            <a:pPr marL="0" marR="0" lvl="0" indent="0" algn="ctr" defTabSz="914400" rtl="0" eaLnBrk="1" fontAlgn="auto" latinLnBrk="0" hangingPunct="1">
-              <a:lnSpc>
-                <a:spcPct val="100000"/>
-              </a:lnSpc>
-              <a:spcBef>
-                <a:spcPts val="0"/>
-              </a:spcBef>
-              <a:spcAft>
-                <a:spcPts val="0"/>
-              </a:spcAft>
-              <a:buClr>
-                <a:srgbClr val="000000"/>
-              </a:buClr>
-              <a:buSzTx/>
-              <a:buFont typeface="Arial"/>
-              <a:buNone/>
-              <a:tabLst/>
-              <a:defRPr/>
-            </a:pPr>
-            <a:r>
-              <a:rPr kumimoji="0" sz="1400" b="0" i="0" u="none" strike="noStrike" kern="0" cap="none" spc="0" normalizeH="0" baseline="0" noProof="0">
-                <a:ln w="9525" cap="flat" cmpd="sng">
-                  <a:solidFill>
-                    <a:srgbClr val="595959"/>
-                  </a:solidFill>
-                  <a:prstDash val="solid"/>
-                  <a:round/>
-                  <a:headEnd type="none" w="sm" len="sm"/>
-                  <a:tailEnd type="none" w="sm" len="sm"/>
-                </a:ln>
-                <a:gradFill>
-                  <a:gsLst>
-                    <a:gs pos="0">
-                      <a:srgbClr val="FFC982"/>
-                    </a:gs>
-                    <a:gs pos="100000">
-                      <a:srgbClr val="F58F09"/>
-                    </a:gs>
-                  </a:gsLst>
-                  <a:lin ang="5400012" scaled="0"/>
-                </a:gradFill>
-                <a:effectLst/>
-                <a:uLnTx/>
-                <a:uFillTx/>
-                <a:latin typeface="Pacifico"/>
-                <a:cs typeface="Arial"/>
-                <a:sym typeface="Arial"/>
-              </a:rPr>
-              <a:t>Maha Shivaratri Celebrations</a:t>
-            </a:r>
-          </a:p>
-        </p:txBody>
-      </p:sp>
-      <p:sp>
-        <p:nvSpPr>
           <p:cNvPr id="84" name="Google Shape;84;p15"/>
           <p:cNvSpPr txBox="1"/>
           <p:nvPr/>
@@ -5781,9 +5701,7 @@
           <a:prstGeom prst="rect">
             <a:avLst/>
           </a:prstGeom>
-          <a:solidFill>
-            <a:schemeClr val="tx1"/>
-          </a:solidFill>
+          <a:noFill/>
           <a:ln>
             <a:noFill/>
           </a:ln>
@@ -5894,9 +5812,6 @@
           <a:prstGeom prst="rect">
             <a:avLst/>
           </a:prstGeom>
-          <a:solidFill>
-            <a:schemeClr val="tx1"/>
-          </a:solidFill>
         </p:spPr>
         <p:txBody>
           <a:bodyPr/>
@@ -5905,8 +5820,9 @@
             <a:r>
               <a:rPr lang="en-US" sz="1800" dirty="0" err="1">
                 <a:solidFill>
-                  <a:schemeClr val="bg1">
-                    <a:lumMod val="75000"/>
+                  <a:schemeClr val="tx1">
+                    <a:lumMod val="65000"/>
+                    <a:lumOff val="35000"/>
                   </a:schemeClr>
                 </a:solidFill>
                 <a:latin typeface="Trebuchet MS" panose="020B0703020202090204" pitchFamily="34" charset="0"/>
@@ -5915,8 +5831,9 @@
             </a:r>
             <a:endParaRPr lang="en-US" sz="1800" dirty="0">
               <a:solidFill>
-                <a:schemeClr val="bg1">
-                  <a:lumMod val="75000"/>
+                <a:schemeClr val="tx1">
+                  <a:lumMod val="65000"/>
+                  <a:lumOff val="35000"/>
                 </a:schemeClr>
               </a:solidFill>
               <a:latin typeface="Trebuchet MS" panose="020B0703020202090204" pitchFamily="34" charset="0"/>
@@ -5944,9 +5861,6 @@
           <a:prstGeom prst="rect">
             <a:avLst/>
           </a:prstGeom>
-          <a:solidFill>
-            <a:schemeClr val="tx1"/>
-          </a:solidFill>
         </p:spPr>
         <p:txBody>
           <a:bodyPr/>
@@ -5955,8 +5869,9 @@
             <a:r>
               <a:rPr lang="en-US" sz="1800" dirty="0" err="1">
                 <a:solidFill>
-                  <a:schemeClr val="bg1">
-                    <a:lumMod val="75000"/>
+                  <a:schemeClr val="tx1">
+                    <a:lumMod val="65000"/>
+                    <a:lumOff val="35000"/>
                   </a:schemeClr>
                 </a:solidFill>
                 <a:latin typeface="Trebuchet MS" panose="020B0703020202090204" pitchFamily="34" charset="0"/>
@@ -5965,8 +5880,9 @@
             </a:r>
             <a:endParaRPr lang="en-US" sz="1800" dirty="0">
               <a:solidFill>
-                <a:schemeClr val="bg1">
-                  <a:lumMod val="75000"/>
+                <a:schemeClr val="tx1">
+                  <a:lumMod val="65000"/>
+                  <a:lumOff val="35000"/>
                 </a:schemeClr>
               </a:solidFill>
               <a:latin typeface="Trebuchet MS" panose="020B0703020202090204" pitchFamily="34" charset="0"/>
@@ -5994,9 +5910,6 @@
           <a:prstGeom prst="rect">
             <a:avLst/>
           </a:prstGeom>
-          <a:solidFill>
-            <a:schemeClr val="tx1"/>
-          </a:solidFill>
         </p:spPr>
         <p:txBody>
           <a:bodyPr/>
@@ -6006,8 +5919,9 @@
             <a:r>
               <a:rPr lang="en-US" sz="1800" dirty="0">
                 <a:solidFill>
-                  <a:schemeClr val="bg1">
-                    <a:lumMod val="75000"/>
+                  <a:schemeClr val="tx1">
+                    <a:lumMod val="65000"/>
+                    <a:lumOff val="35000"/>
                   </a:schemeClr>
                 </a:solidFill>
                 <a:latin typeface="Trebuchet MS" panose="020B0703020202090204" pitchFamily="34" charset="0"/>
@@ -6019,10 +5933,51 @@
       </p:sp>
       <p:pic>
         <p:nvPicPr>
-          <p:cNvPr id="13" name="Picture 12">
+          <p:cNvPr id="14" name="Google Shape;81;p15" descr="Sarva Dharma Logo">
             <a:extLst>
               <a:ext uri="{FF2B5EF4-FFF2-40B4-BE49-F238E27FC236}">
-                <a16:creationId xmlns:a16="http://schemas.microsoft.com/office/drawing/2014/main" id="{EFA7A9D5-8929-7641-B607-28E6746BF314}"/>
+                <a16:creationId xmlns:a16="http://schemas.microsoft.com/office/drawing/2014/main" id="{6395FAD2-5332-3B49-8018-2DCBC9B7BC06}"/>
+              </a:ext>
+            </a:extLst>
+          </p:cNvPr>
+          <p:cNvPicPr preferRelativeResize="0"/>
+          <p:nvPr/>
+        </p:nvPicPr>
+        <p:blipFill>
+          <a:blip r:embed="rId5">
+            <a:alphaModFix/>
+          </a:blip>
+          <a:stretch>
+            <a:fillRect/>
+          </a:stretch>
+        </p:blipFill>
+        <p:spPr>
+          <a:xfrm>
+            <a:off x="7608175" y="314588"/>
+            <a:ext cx="1213675" cy="1221825"/>
+          </a:xfrm>
+          <a:prstGeom prst="rect">
+            <a:avLst/>
+          </a:prstGeom>
+          <a:noFill/>
+          <a:ln>
+            <a:noFill/>
+          </a:ln>
+          <a:effectLst>
+            <a:outerShdw blurRad="342900" dist="76200" dir="300000" algn="bl" rotWithShape="0">
+              <a:srgbClr val="FF9900">
+                <a:alpha val="75000"/>
+              </a:srgbClr>
+            </a:outerShdw>
+          </a:effectLst>
+        </p:spPr>
+      </p:pic>
+      <p:pic>
+        <p:nvPicPr>
+          <p:cNvPr id="3" name="Picture 2">
+            <a:extLst>
+              <a:ext uri="{FF2B5EF4-FFF2-40B4-BE49-F238E27FC236}">
+                <a16:creationId xmlns:a16="http://schemas.microsoft.com/office/drawing/2014/main" id="{54B30F53-F9F6-7745-8A4B-546222BDF11F}"/>
               </a:ext>
             </a:extLst>
           </p:cNvPr>
@@ -6032,21 +5987,15 @@
           <p:nvPr/>
         </p:nvPicPr>
         <p:blipFill>
-          <a:blip r:embed="rId5">
-            <a:extLst>
-              <a:ext uri="{28A0092B-C50C-407E-A947-70E740481C1C}">
-                <a14:useLocalDpi xmlns:a14="http://schemas.microsoft.com/office/drawing/2010/main" val="0"/>
-              </a:ext>
-            </a:extLst>
-          </a:blip>
+          <a:blip r:embed="rId6"/>
           <a:stretch>
             <a:fillRect/>
           </a:stretch>
         </p:blipFill>
         <p:spPr>
           <a:xfrm>
-            <a:off x="7598174" y="89557"/>
-            <a:ext cx="1386394" cy="1396050"/>
+            <a:off x="1543792" y="178942"/>
+            <a:ext cx="6064383" cy="795179"/>
           </a:xfrm>
           <a:prstGeom prst="rect">
             <a:avLst/>

--- a/WebContent/WEB-INF/templates/Shivaratri2019/master.pptx
+++ b/WebContent/WEB-INF/templates/Shivaratri2019/master.pptx
@@ -5378,6 +5378,58 @@
           <a:chExt cx="0" cy="0"/>
         </a:xfrm>
       </p:grpSpPr>
+      <p:sp>
+        <p:nvSpPr>
+          <p:cNvPr id="4" name="Rectangle 3">
+            <a:extLst>
+              <a:ext uri="{FF2B5EF4-FFF2-40B4-BE49-F238E27FC236}">
+                <a16:creationId xmlns:a16="http://schemas.microsoft.com/office/drawing/2014/main" id="{EB5D453D-9BC9-0A43-BF8D-191D200E787B}"/>
+              </a:ext>
+            </a:extLst>
+          </p:cNvPr>
+          <p:cNvSpPr/>
+          <p:nvPr/>
+        </p:nvSpPr>
+        <p:spPr>
+          <a:xfrm>
+            <a:off x="0" y="-25"/>
+            <a:ext cx="9144000" cy="6858025"/>
+          </a:xfrm>
+          <a:prstGeom prst="rect">
+            <a:avLst/>
+          </a:prstGeom>
+          <a:solidFill>
+            <a:schemeClr val="tx1"/>
+          </a:solidFill>
+          <a:ln>
+            <a:noFill/>
+          </a:ln>
+        </p:spPr>
+        <p:style>
+          <a:lnRef idx="2">
+            <a:schemeClr val="accent1">
+              <a:shade val="50000"/>
+            </a:schemeClr>
+          </a:lnRef>
+          <a:fillRef idx="1">
+            <a:schemeClr val="accent1"/>
+          </a:fillRef>
+          <a:effectRef idx="0">
+            <a:schemeClr val="accent1"/>
+          </a:effectRef>
+          <a:fontRef idx="minor">
+            <a:schemeClr val="lt1"/>
+          </a:fontRef>
+        </p:style>
+        <p:txBody>
+          <a:bodyPr rtlCol="0" anchor="ctr"/>
+          <a:lstStyle/>
+          <a:p>
+            <a:pPr algn="ctr"/>
+            <a:endParaRPr lang="en-US"/>
+          </a:p>
+        </p:txBody>
+      </p:sp>
       <p:sp>
         <p:nvSpPr>
           <p:cNvPr id="79" name="Google Shape;79;p15"/>

--- a/WebContent/WEB-INF/templates/Shivaratri2019/master.pptx
+++ b/WebContent/WEB-INF/templates/Shivaratri2019/master.pptx
@@ -5392,7 +5392,7 @@
         </p:nvSpPr>
         <p:spPr>
           <a:xfrm>
-            <a:off x="0" y="-25"/>
+            <a:off x="0" y="0"/>
             <a:ext cx="9144000" cy="6858025"/>
           </a:xfrm>
           <a:prstGeom prst="rect">
@@ -5907,8 +5907,8 @@
         </p:nvSpPr>
         <p:spPr>
           <a:xfrm>
-            <a:off x="3219174" y="6490742"/>
-            <a:ext cx="3829326" cy="342206"/>
+            <a:off x="1307012" y="6480476"/>
+            <a:ext cx="5912938" cy="342206"/>
           </a:xfrm>
           <a:prstGeom prst="rect">
             <a:avLst/>
@@ -5956,7 +5956,7 @@
         </p:nvSpPr>
         <p:spPr>
           <a:xfrm>
-            <a:off x="2442574" y="6507416"/>
+            <a:off x="530412" y="6497150"/>
             <a:ext cx="776599" cy="315266"/>
           </a:xfrm>
           <a:prstGeom prst="rect">

--- a/WebContent/WEB-INF/templates/Shivaratri2019/master.pptx
+++ b/WebContent/WEB-INF/templates/Shivaratri2019/master.pptx
@@ -197,7 +197,7 @@
           <a:p>
             <a:fld id="{61029C54-EB56-FA47-ABE2-DF1DD17D2BBF}" type="datetimeFigureOut">
               <a:rPr lang="en-US" smtClean="0"/>
-              <a:t>2/17/19</a:t>
+              <a:t>2/23/19</a:t>
             </a:fld>
             <a:endParaRPr lang="en-US"/>
           </a:p>
@@ -5438,8 +5438,8 @@
         </p:nvSpPr>
         <p:spPr>
           <a:xfrm>
-            <a:off x="162838" y="1623100"/>
-            <a:ext cx="8688337" cy="3567096"/>
+            <a:off x="162838" y="1785366"/>
+            <a:ext cx="8688337" cy="3404829"/>
           </a:xfrm>
           <a:prstGeom prst="rect">
             <a:avLst/>
@@ -5554,145 +5554,6 @@
                 <a:sym typeface="Arial"/>
               </a:rPr>
               <a:t>Scale</a:t>
-            </a:r>
-            <a:endParaRPr kumimoji="0" b="1" i="0" u="none" strike="noStrike" kern="0" cap="none" spc="0" normalizeH="0" baseline="0" noProof="0" dirty="0">
-              <a:ln>
-                <a:noFill/>
-              </a:ln>
-              <a:solidFill>
-                <a:srgbClr val="FFFFFF"/>
-              </a:solidFill>
-              <a:effectLst/>
-              <a:uLnTx/>
-              <a:uFillTx/>
-              <a:latin typeface="Trebuchet MS" panose="020B0703020202090204" pitchFamily="34" charset="0"/>
-              <a:cs typeface="Arial"/>
-              <a:sym typeface="Arial"/>
-            </a:endParaRPr>
-          </a:p>
-          <a:p>
-            <a:pPr marL="0" marR="0" lvl="0" indent="0" algn="ctr" defTabSz="914400" rtl="0" eaLnBrk="1" fontAlgn="auto" latinLnBrk="0" hangingPunct="1">
-              <a:lnSpc>
-                <a:spcPct val="100000"/>
-              </a:lnSpc>
-              <a:spcBef>
-                <a:spcPts val="0"/>
-              </a:spcBef>
-              <a:spcAft>
-                <a:spcPts val="0"/>
-              </a:spcAft>
-              <a:buClr>
-                <a:srgbClr val="000000"/>
-              </a:buClr>
-              <a:buSzTx/>
-              <a:buFont typeface="Arial"/>
-              <a:buNone/>
-              <a:tabLst/>
-              <a:defRPr/>
-            </a:pPr>
-            <a:r>
-              <a:rPr kumimoji="0" lang="en" sz="1400" b="0" i="0" u="none" strike="noStrike" kern="0" cap="none" spc="0" normalizeH="0" baseline="0" noProof="0" dirty="0">
-                <a:ln>
-                  <a:noFill/>
-                </a:ln>
-                <a:solidFill>
-                  <a:srgbClr val="000000"/>
-                </a:solidFill>
-                <a:effectLst/>
-                <a:uLnTx/>
-                <a:uFillTx/>
-                <a:latin typeface="Trebuchet MS" panose="020B0703020202090204" pitchFamily="34" charset="0"/>
-                <a:cs typeface="Arial"/>
-                <a:sym typeface="Arial"/>
-              </a:rPr>
-              <a:t>          :  </a:t>
-            </a:r>
-            <a:endParaRPr kumimoji="0" sz="1400" b="0" i="0" u="none" strike="noStrike" kern="0" cap="none" spc="0" normalizeH="0" baseline="0" noProof="0" dirty="0">
-              <a:ln>
-                <a:noFill/>
-              </a:ln>
-              <a:solidFill>
-                <a:srgbClr val="000000"/>
-              </a:solidFill>
-              <a:effectLst/>
-              <a:uLnTx/>
-              <a:uFillTx/>
-              <a:latin typeface="Trebuchet MS" panose="020B0703020202090204" pitchFamily="34" charset="0"/>
-              <a:cs typeface="Arial"/>
-              <a:sym typeface="Arial"/>
-            </a:endParaRPr>
-          </a:p>
-          <a:p>
-            <a:pPr marL="0" marR="0" lvl="0" indent="0" algn="ctr" defTabSz="914400" rtl="0" eaLnBrk="1" fontAlgn="auto" latinLnBrk="0" hangingPunct="1">
-              <a:lnSpc>
-                <a:spcPct val="100000"/>
-              </a:lnSpc>
-              <a:spcBef>
-                <a:spcPts val="0"/>
-              </a:spcBef>
-              <a:spcAft>
-                <a:spcPts val="0"/>
-              </a:spcAft>
-              <a:buClr>
-                <a:srgbClr val="000000"/>
-              </a:buClr>
-              <a:buSzTx/>
-              <a:buFont typeface="Arial"/>
-              <a:buNone/>
-              <a:tabLst/>
-              <a:defRPr/>
-            </a:pPr>
-            <a:endParaRPr kumimoji="0" sz="1400" b="0" i="0" u="none" strike="noStrike" kern="0" cap="none" spc="0" normalizeH="0" baseline="0" noProof="0" dirty="0">
-              <a:ln>
-                <a:noFill/>
-              </a:ln>
-              <a:solidFill>
-                <a:srgbClr val="000000"/>
-              </a:solidFill>
-              <a:effectLst/>
-              <a:uLnTx/>
-              <a:uFillTx/>
-              <a:latin typeface="Trebuchet MS" panose="020B0703020202090204" pitchFamily="34" charset="0"/>
-              <a:cs typeface="Arial"/>
-              <a:sym typeface="Arial"/>
-            </a:endParaRPr>
-          </a:p>
-          <a:p>
-            <a:pPr marL="0" marR="0" lvl="0" indent="0" algn="ctr" defTabSz="914400" rtl="0" eaLnBrk="1" fontAlgn="auto" latinLnBrk="0" hangingPunct="1">
-              <a:lnSpc>
-                <a:spcPct val="100000"/>
-              </a:lnSpc>
-              <a:spcBef>
-                <a:spcPts val="0"/>
-              </a:spcBef>
-              <a:spcAft>
-                <a:spcPts val="0"/>
-              </a:spcAft>
-              <a:buClr>
-                <a:srgbClr val="000000"/>
-              </a:buClr>
-              <a:buSzTx/>
-              <a:buFont typeface="Arial"/>
-              <a:buNone/>
-              <a:tabLst/>
-              <a:defRPr/>
-            </a:pPr>
-            <a:r>
-              <a:rPr kumimoji="0" lang="en" sz="1400" b="0" i="0" u="none" strike="noStrike" kern="0" cap="none" spc="0" normalizeH="0" baseline="0" noProof="0" dirty="0">
-                <a:ln>
-                  <a:noFill/>
-                </a:ln>
-                <a:solidFill>
-                  <a:srgbClr val="000000"/>
-                </a:solidFill>
-                <a:effectLst/>
-                <a:uLnTx/>
-                <a:uFillTx/>
-                <a:latin typeface="Trebuchet MS" panose="020B0703020202090204" pitchFamily="34" charset="0"/>
-                <a:cs typeface="Arial"/>
-                <a:sym typeface="Arial"/>
-              </a:rPr>
-              <a:t>      </a:t>
             </a:r>
             <a:endParaRPr kumimoji="0" sz="1400" b="1" i="0" u="none" strike="noStrike" kern="0" cap="none" spc="0" normalizeH="0" baseline="0" noProof="0" dirty="0">
               <a:ln>

--- a/WebContent/WEB-INF/templates/Shivaratri2019/master.pptx
+++ b/WebContent/WEB-INF/templates/Shivaratri2019/master.pptx
@@ -2,13 +2,13 @@
 <file path=ppt/presentation.xml><?xml version="1.0" encoding="utf-8"?>
 <p:presentation xmlns:a="http://schemas.openxmlformats.org/drawingml/2006/main" xmlns:r="http://schemas.openxmlformats.org/officeDocument/2006/relationships" xmlns:p="http://schemas.openxmlformats.org/presentationml/2006/main" saveSubsetFonts="1" autoCompressPictures="0">
   <p:sldMasterIdLst>
-    <p:sldMasterId id="2147483672" r:id="rId1"/>
+    <p:sldMasterId id="2147483683" r:id="rId1"/>
   </p:sldMasterIdLst>
   <p:notesMasterIdLst>
     <p:notesMasterId r:id="rId3"/>
   </p:notesMasterIdLst>
   <p:sldIdLst>
-    <p:sldId id="258" r:id="rId2"/>
+    <p:sldId id="259" r:id="rId2"/>
   </p:sldIdLst>
   <p:sldSz cx="9144000" cy="6858000" type="screen4x3"/>
   <p:notesSz cx="6858000" cy="9144000"/>
@@ -109,7 +109,7 @@
   </p:defaultTextStyle>
   <p:extLst>
     <p:ext uri="{EFAFB233-063F-42B5-8137-9DF3F51BA10A}">
-      <p15:sldGuideLst xmlns:p15="http://schemas.microsoft.com/office/powerpoint/2012/main"/>
+      <p15:sldGuideLst xmlns:p15="http://schemas.microsoft.com/office/powerpoint/2012/main" xmlns=""/>
     </p:ext>
   </p:extLst>
 </p:presentation>
@@ -197,7 +197,7 @@
           <a:p>
             <a:fld id="{61029C54-EB56-FA47-ABE2-DF1DD17D2BBF}" type="datetimeFigureOut">
               <a:rPr lang="en-US" smtClean="0"/>
-              <a:t>2/23/19</a:t>
+              <a:t>16/02/20</a:t>
             </a:fld>
             <a:endParaRPr lang="en-US"/>
           </a:p>
@@ -469,7 +469,7 @@
   <p:cSld>
     <p:spTree>
       <p:nvGrpSpPr>
-        <p:cNvPr id="1" name="Shape 75"/>
+        <p:cNvPr id="1" name="Shape 50"/>
         <p:cNvGrpSpPr/>
         <p:nvPr/>
       </p:nvGrpSpPr>
@@ -483,7 +483,45 @@
       </p:grpSpPr>
       <p:sp>
         <p:nvSpPr>
-          <p:cNvPr id="76" name="Google Shape;76;g4f7357f74f_0_7:notes"/>
+          <p:cNvPr id="51" name="Google Shape;51;g7dc6ef4452_0_0:notes"/>
+          <p:cNvSpPr txBox="1">
+            <a:spLocks noGrp="1"/>
+          </p:cNvSpPr>
+          <p:nvPr>
+            <p:ph type="body" idx="1"/>
+          </p:nvPr>
+        </p:nvSpPr>
+        <p:spPr>
+          <a:xfrm>
+            <a:off x="685800" y="4400550"/>
+            <a:ext cx="5486400" cy="3600300"/>
+          </a:xfrm>
+          <a:prstGeom prst="rect">
+            <a:avLst/>
+          </a:prstGeom>
+        </p:spPr>
+        <p:txBody>
+          <a:bodyPr spcFirstLastPara="1" wrap="square" lIns="91425" tIns="91425" rIns="91425" bIns="91425" anchor="t" anchorCtr="0">
+            <a:noAutofit/>
+          </a:bodyPr>
+          <a:lstStyle/>
+          <a:p>
+            <a:pPr marL="0" lvl="0" indent="0" algn="l" rtl="0">
+              <a:spcBef>
+                <a:spcPts val="0"/>
+              </a:spcBef>
+              <a:spcAft>
+                <a:spcPts val="0"/>
+              </a:spcAft>
+              <a:buNone/>
+            </a:pPr>
+            <a:endParaRPr/>
+          </a:p>
+        </p:txBody>
+      </p:sp>
+      <p:sp>
+        <p:nvSpPr>
+          <p:cNvPr id="52" name="Google Shape;52;g7dc6ef4452_0_0:notes"/>
           <p:cNvSpPr>
             <a:spLocks noGrp="1" noRot="1" noChangeAspect="1"/>
           </p:cNvSpPr>
@@ -493,8 +531,8 @@
         </p:nvSpPr>
         <p:spPr>
           <a:xfrm>
-            <a:off x="1143000" y="685800"/>
-            <a:ext cx="4572000" cy="3429000"/>
+            <a:off x="1371600" y="1143000"/>
+            <a:ext cx="4114800" cy="3086100"/>
           </a:xfrm>
           <a:custGeom>
             <a:avLst/>
@@ -522,50 +560,7 @@
           </a:custGeom>
         </p:spPr>
       </p:sp>
-      <p:sp>
-        <p:nvSpPr>
-          <p:cNvPr id="77" name="Google Shape;77;g4f7357f74f_0_7:notes"/>
-          <p:cNvSpPr txBox="1">
-            <a:spLocks noGrp="1"/>
-          </p:cNvSpPr>
-          <p:nvPr>
-            <p:ph type="body" idx="1"/>
-          </p:nvPr>
-        </p:nvSpPr>
-        <p:spPr>
-          <a:xfrm>
-            <a:off x="685800" y="4343400"/>
-            <a:ext cx="5486400" cy="4114800"/>
-          </a:xfrm>
-          <a:prstGeom prst="rect">
-            <a:avLst/>
-          </a:prstGeom>
-        </p:spPr>
-        <p:txBody>
-          <a:bodyPr spcFirstLastPara="1" wrap="square" lIns="91425" tIns="91425" rIns="91425" bIns="91425" anchor="t" anchorCtr="0">
-            <a:noAutofit/>
-          </a:bodyPr>
-          <a:lstStyle/>
-          <a:p>
-            <a:pPr marL="0" lvl="0" indent="0" algn="l" rtl="0">
-              <a:spcBef>
-                <a:spcPts val="0"/>
-              </a:spcBef>
-              <a:spcAft>
-                <a:spcPts val="0"/>
-              </a:spcAft>
-              <a:buNone/>
-            </a:pPr>
-            <a:endParaRPr/>
-          </a:p>
-        </p:txBody>
-      </p:sp>
     </p:spTree>
-    <p:extLst>
-      <p:ext uri="{BB962C8B-B14F-4D97-AF65-F5344CB8AC3E}">
-        <p14:creationId xmlns:p14="http://schemas.microsoft.com/office/powerpoint/2010/main" val="1231883082"/>
-      </p:ext>
-    </p:extLst>
   </p:cSld>
   <p:clrMapOvr>
     <a:masterClrMapping/>
@@ -603,14 +598,16 @@
         <p:spPr>
           <a:xfrm>
             <a:off x="311708" y="992767"/>
-            <a:ext cx="8520600" cy="2736900"/>
+            <a:ext cx="8520600" cy="2736800"/>
           </a:xfrm>
           <a:prstGeom prst="rect">
             <a:avLst/>
           </a:prstGeom>
         </p:spPr>
         <p:txBody>
-          <a:bodyPr spcFirstLastPara="1" wrap="square" lIns="91425" tIns="91425" rIns="91425" bIns="91425" anchor="b" anchorCtr="0"/>
+          <a:bodyPr spcFirstLastPara="1" wrap="square" lIns="91425" tIns="91425" rIns="91425" bIns="91425" anchor="b" anchorCtr="0">
+            <a:noAutofit/>
+          </a:bodyPr>
           <a:lstStyle>
             <a:lvl1pPr lvl="0" algn="ctr">
               <a:spcBef>
@@ -730,14 +727,16 @@
         <p:spPr>
           <a:xfrm>
             <a:off x="311700" y="3778833"/>
-            <a:ext cx="8520600" cy="1056900"/>
+            <a:ext cx="8520600" cy="1056800"/>
           </a:xfrm>
           <a:prstGeom prst="rect">
             <a:avLst/>
           </a:prstGeom>
         </p:spPr>
         <p:txBody>
-          <a:bodyPr spcFirstLastPara="1" wrap="square" lIns="91425" tIns="91425" rIns="91425" bIns="91425" anchor="t" anchorCtr="0"/>
+          <a:bodyPr spcFirstLastPara="1" wrap="square" lIns="91425" tIns="91425" rIns="91425" bIns="91425" anchor="t" anchorCtr="0">
+            <a:noAutofit/>
+          </a:bodyPr>
           <a:lstStyle>
             <a:lvl1pPr lvl="0" algn="ctr">
               <a:lnSpc>
@@ -883,8 +882,8 @@
         </p:nvSpPr>
         <p:spPr>
           <a:xfrm>
-            <a:off x="8472458" y="6217622"/>
-            <a:ext cx="548700" cy="524700"/>
+            <a:off x="8472458" y="6217623"/>
+            <a:ext cx="548700" cy="524800"/>
           </a:xfrm>
           <a:prstGeom prst="rect">
             <a:avLst/>
@@ -933,27 +932,27 @@
             </a:lvl9pPr>
           </a:lstStyle>
           <a:p>
-            <a:pPr marL="0" lvl="0" indent="0" algn="r" rtl="0">
-              <a:spcBef>
-                <a:spcPts val="0"/>
-              </a:spcBef>
-              <a:spcAft>
-                <a:spcPts val="0"/>
-              </a:spcAft>
-              <a:buNone/>
-            </a:pPr>
             <a:fld id="{00000000-1234-1234-1234-123412341234}" type="slidenum">
-              <a:rPr lang="en"/>
+              <a:rPr lang="en">
+                <a:solidFill>
+                  <a:srgbClr val="595959"/>
+                </a:solidFill>
+              </a:rPr>
+              <a:pPr/>
               <a:t>‹#›</a:t>
             </a:fld>
-            <a:endParaRPr/>
+            <a:endParaRPr>
+              <a:solidFill>
+                <a:srgbClr val="595959"/>
+              </a:solidFill>
+            </a:endParaRPr>
           </a:p>
         </p:txBody>
       </p:sp>
     </p:spTree>
     <p:extLst>
       <p:ext uri="{BB962C8B-B14F-4D97-AF65-F5344CB8AC3E}">
-        <p14:creationId xmlns:p14="http://schemas.microsoft.com/office/powerpoint/2010/main" val="3999898401"/>
+        <p14:creationId xmlns:p14="http://schemas.microsoft.com/office/powerpoint/2010/main" val="2656833967"/>
       </p:ext>
     </p:extLst>
   </p:cSld>
@@ -993,14 +992,16 @@
         <p:spPr>
           <a:xfrm>
             <a:off x="311700" y="1474833"/>
-            <a:ext cx="8520600" cy="2618100"/>
+            <a:ext cx="8520600" cy="2618000"/>
           </a:xfrm>
           <a:prstGeom prst="rect">
             <a:avLst/>
           </a:prstGeom>
         </p:spPr>
         <p:txBody>
-          <a:bodyPr spcFirstLastPara="1" wrap="square" lIns="91425" tIns="91425" rIns="91425" bIns="91425" anchor="b" anchorCtr="0"/>
+          <a:bodyPr spcFirstLastPara="1" wrap="square" lIns="91425" tIns="91425" rIns="91425" bIns="91425" anchor="b" anchorCtr="0">
+            <a:noAutofit/>
+          </a:bodyPr>
           <a:lstStyle>
             <a:lvl1pPr lvl="0" algn="ctr">
               <a:spcBef>
@@ -1122,14 +1123,16 @@
         <p:spPr>
           <a:xfrm>
             <a:off x="311700" y="4202967"/>
-            <a:ext cx="8520600" cy="1734300"/>
+            <a:ext cx="8520600" cy="1734400"/>
           </a:xfrm>
           <a:prstGeom prst="rect">
             <a:avLst/>
           </a:prstGeom>
         </p:spPr>
         <p:txBody>
-          <a:bodyPr spcFirstLastPara="1" wrap="square" lIns="91425" tIns="91425" rIns="91425" bIns="91425" anchor="t" anchorCtr="0"/>
+          <a:bodyPr spcFirstLastPara="1" wrap="square" lIns="91425" tIns="91425" rIns="91425" bIns="91425" anchor="t" anchorCtr="0">
+            <a:noAutofit/>
+          </a:bodyPr>
           <a:lstStyle>
             <a:lvl1pPr marL="457200" lvl="0" indent="-342900" algn="ctr">
               <a:spcBef>
@@ -1248,8 +1251,8 @@
         </p:nvSpPr>
         <p:spPr>
           <a:xfrm>
-            <a:off x="8472458" y="6217622"/>
-            <a:ext cx="548700" cy="524700"/>
+            <a:off x="8472458" y="6217623"/>
+            <a:ext cx="548700" cy="524800"/>
           </a:xfrm>
           <a:prstGeom prst="rect">
             <a:avLst/>
@@ -1298,27 +1301,27 @@
             </a:lvl9pPr>
           </a:lstStyle>
           <a:p>
-            <a:pPr marL="0" lvl="0" indent="0" algn="r" rtl="0">
-              <a:spcBef>
-                <a:spcPts val="0"/>
-              </a:spcBef>
-              <a:spcAft>
-                <a:spcPts val="0"/>
-              </a:spcAft>
-              <a:buNone/>
-            </a:pPr>
             <a:fld id="{00000000-1234-1234-1234-123412341234}" type="slidenum">
-              <a:rPr lang="en"/>
+              <a:rPr lang="en">
+                <a:solidFill>
+                  <a:srgbClr val="595959"/>
+                </a:solidFill>
+              </a:rPr>
+              <a:pPr/>
               <a:t>‹#›</a:t>
             </a:fld>
-            <a:endParaRPr/>
+            <a:endParaRPr>
+              <a:solidFill>
+                <a:srgbClr val="595959"/>
+              </a:solidFill>
+            </a:endParaRPr>
           </a:p>
         </p:txBody>
       </p:sp>
     </p:spTree>
     <p:extLst>
       <p:ext uri="{BB962C8B-B14F-4D97-AF65-F5344CB8AC3E}">
-        <p14:creationId xmlns:p14="http://schemas.microsoft.com/office/powerpoint/2010/main" val="168394554"/>
+        <p14:creationId xmlns:p14="http://schemas.microsoft.com/office/powerpoint/2010/main" val="2547544721"/>
       </p:ext>
     </p:extLst>
   </p:cSld>
@@ -1357,8 +1360,8 @@
         </p:nvSpPr>
         <p:spPr>
           <a:xfrm>
-            <a:off x="8472458" y="6217622"/>
-            <a:ext cx="548700" cy="524700"/>
+            <a:off x="8472458" y="6217623"/>
+            <a:ext cx="548700" cy="524800"/>
           </a:xfrm>
           <a:prstGeom prst="rect">
             <a:avLst/>
@@ -1407,27 +1410,27 @@
             </a:lvl9pPr>
           </a:lstStyle>
           <a:p>
-            <a:pPr marL="0" lvl="0" indent="0" algn="r" rtl="0">
-              <a:spcBef>
-                <a:spcPts val="0"/>
-              </a:spcBef>
-              <a:spcAft>
-                <a:spcPts val="0"/>
-              </a:spcAft>
-              <a:buNone/>
-            </a:pPr>
             <a:fld id="{00000000-1234-1234-1234-123412341234}" type="slidenum">
-              <a:rPr lang="en"/>
+              <a:rPr lang="en">
+                <a:solidFill>
+                  <a:srgbClr val="595959"/>
+                </a:solidFill>
+              </a:rPr>
+              <a:pPr/>
               <a:t>‹#›</a:t>
             </a:fld>
-            <a:endParaRPr/>
+            <a:endParaRPr>
+              <a:solidFill>
+                <a:srgbClr val="595959"/>
+              </a:solidFill>
+            </a:endParaRPr>
           </a:p>
         </p:txBody>
       </p:sp>
     </p:spTree>
     <p:extLst>
       <p:ext uri="{BB962C8B-B14F-4D97-AF65-F5344CB8AC3E}">
-        <p14:creationId xmlns:p14="http://schemas.microsoft.com/office/powerpoint/2010/main" val="855363070"/>
+        <p14:creationId xmlns:p14="http://schemas.microsoft.com/office/powerpoint/2010/main" val="2402026411"/>
       </p:ext>
     </p:extLst>
   </p:cSld>
@@ -1467,14 +1470,16 @@
         <p:spPr>
           <a:xfrm>
             <a:off x="311700" y="2867800"/>
-            <a:ext cx="8520600" cy="1122300"/>
+            <a:ext cx="8520600" cy="1122400"/>
           </a:xfrm>
           <a:prstGeom prst="rect">
             <a:avLst/>
           </a:prstGeom>
         </p:spPr>
         <p:txBody>
-          <a:bodyPr spcFirstLastPara="1" wrap="square" lIns="91425" tIns="91425" rIns="91425" bIns="91425" anchor="ctr" anchorCtr="0"/>
+          <a:bodyPr spcFirstLastPara="1" wrap="square" lIns="91425" tIns="91425" rIns="91425" bIns="91425" anchor="ctr" anchorCtr="0">
+            <a:noAutofit/>
+          </a:bodyPr>
           <a:lstStyle>
             <a:lvl1pPr lvl="0" algn="ctr">
               <a:spcBef>
@@ -1593,8 +1598,8 @@
         </p:nvSpPr>
         <p:spPr>
           <a:xfrm>
-            <a:off x="8472458" y="6217622"/>
-            <a:ext cx="548700" cy="524700"/>
+            <a:off x="8472458" y="6217623"/>
+            <a:ext cx="548700" cy="524800"/>
           </a:xfrm>
           <a:prstGeom prst="rect">
             <a:avLst/>
@@ -1643,27 +1648,27 @@
             </a:lvl9pPr>
           </a:lstStyle>
           <a:p>
-            <a:pPr marL="0" lvl="0" indent="0" algn="r" rtl="0">
-              <a:spcBef>
-                <a:spcPts val="0"/>
-              </a:spcBef>
-              <a:spcAft>
-                <a:spcPts val="0"/>
-              </a:spcAft>
-              <a:buNone/>
-            </a:pPr>
             <a:fld id="{00000000-1234-1234-1234-123412341234}" type="slidenum">
-              <a:rPr lang="en"/>
+              <a:rPr lang="en">
+                <a:solidFill>
+                  <a:srgbClr val="595959"/>
+                </a:solidFill>
+              </a:rPr>
+              <a:pPr/>
               <a:t>‹#›</a:t>
             </a:fld>
-            <a:endParaRPr/>
+            <a:endParaRPr>
+              <a:solidFill>
+                <a:srgbClr val="595959"/>
+              </a:solidFill>
+            </a:endParaRPr>
           </a:p>
         </p:txBody>
       </p:sp>
     </p:spTree>
     <p:extLst>
       <p:ext uri="{BB962C8B-B14F-4D97-AF65-F5344CB8AC3E}">
-        <p14:creationId xmlns:p14="http://schemas.microsoft.com/office/powerpoint/2010/main" val="3481931551"/>
+        <p14:creationId xmlns:p14="http://schemas.microsoft.com/office/powerpoint/2010/main" val="1589167075"/>
       </p:ext>
     </p:extLst>
   </p:cSld>
@@ -1703,14 +1708,16 @@
         <p:spPr>
           <a:xfrm>
             <a:off x="311700" y="593367"/>
-            <a:ext cx="8520600" cy="763500"/>
+            <a:ext cx="8520600" cy="763600"/>
           </a:xfrm>
           <a:prstGeom prst="rect">
             <a:avLst/>
           </a:prstGeom>
         </p:spPr>
         <p:txBody>
-          <a:bodyPr spcFirstLastPara="1" wrap="square" lIns="91425" tIns="91425" rIns="91425" bIns="91425" anchor="t" anchorCtr="0"/>
+          <a:bodyPr spcFirstLastPara="1" wrap="square" lIns="91425" tIns="91425" rIns="91425" bIns="91425" anchor="t" anchorCtr="0">
+            <a:noAutofit/>
+          </a:bodyPr>
           <a:lstStyle>
             <a:lvl1pPr lvl="0">
               <a:spcBef>
@@ -1837,7 +1844,9 @@
           </a:prstGeom>
         </p:spPr>
         <p:txBody>
-          <a:bodyPr spcFirstLastPara="1" wrap="square" lIns="91425" tIns="91425" rIns="91425" bIns="91425" anchor="t" anchorCtr="0"/>
+          <a:bodyPr spcFirstLastPara="1" wrap="square" lIns="91425" tIns="91425" rIns="91425" bIns="91425" anchor="t" anchorCtr="0">
+            <a:noAutofit/>
+          </a:bodyPr>
           <a:lstStyle>
             <a:lvl1pPr marL="457200" lvl="0" indent="-342900">
               <a:spcBef>
@@ -1956,8 +1965,8 @@
         </p:nvSpPr>
         <p:spPr>
           <a:xfrm>
-            <a:off x="8472458" y="6217622"/>
-            <a:ext cx="548700" cy="524700"/>
+            <a:off x="8472458" y="6217623"/>
+            <a:ext cx="548700" cy="524800"/>
           </a:xfrm>
           <a:prstGeom prst="rect">
             <a:avLst/>
@@ -2006,27 +2015,27 @@
             </a:lvl9pPr>
           </a:lstStyle>
           <a:p>
-            <a:pPr marL="0" lvl="0" indent="0" algn="r" rtl="0">
-              <a:spcBef>
-                <a:spcPts val="0"/>
-              </a:spcBef>
-              <a:spcAft>
-                <a:spcPts val="0"/>
-              </a:spcAft>
-              <a:buNone/>
-            </a:pPr>
             <a:fld id="{00000000-1234-1234-1234-123412341234}" type="slidenum">
-              <a:rPr lang="en"/>
+              <a:rPr lang="en">
+                <a:solidFill>
+                  <a:srgbClr val="595959"/>
+                </a:solidFill>
+              </a:rPr>
+              <a:pPr/>
               <a:t>‹#›</a:t>
             </a:fld>
-            <a:endParaRPr/>
+            <a:endParaRPr>
+              <a:solidFill>
+                <a:srgbClr val="595959"/>
+              </a:solidFill>
+            </a:endParaRPr>
           </a:p>
         </p:txBody>
       </p:sp>
     </p:spTree>
     <p:extLst>
       <p:ext uri="{BB962C8B-B14F-4D97-AF65-F5344CB8AC3E}">
-        <p14:creationId xmlns:p14="http://schemas.microsoft.com/office/powerpoint/2010/main" val="1962454365"/>
+        <p14:creationId xmlns:p14="http://schemas.microsoft.com/office/powerpoint/2010/main" val="4184161329"/>
       </p:ext>
     </p:extLst>
   </p:cSld>
@@ -2066,14 +2075,16 @@
         <p:spPr>
           <a:xfrm>
             <a:off x="311700" y="593367"/>
-            <a:ext cx="8520600" cy="763500"/>
+            <a:ext cx="8520600" cy="763600"/>
           </a:xfrm>
           <a:prstGeom prst="rect">
             <a:avLst/>
           </a:prstGeom>
         </p:spPr>
         <p:txBody>
-          <a:bodyPr spcFirstLastPara="1" wrap="square" lIns="91425" tIns="91425" rIns="91425" bIns="91425" anchor="t" anchorCtr="0"/>
+          <a:bodyPr spcFirstLastPara="1" wrap="square" lIns="91425" tIns="91425" rIns="91425" bIns="91425" anchor="t" anchorCtr="0">
+            <a:noAutofit/>
+          </a:bodyPr>
           <a:lstStyle>
             <a:lvl1pPr lvl="0">
               <a:spcBef>
@@ -2200,7 +2211,9 @@
           </a:prstGeom>
         </p:spPr>
         <p:txBody>
-          <a:bodyPr spcFirstLastPara="1" wrap="square" lIns="91425" tIns="91425" rIns="91425" bIns="91425" anchor="t" anchorCtr="0"/>
+          <a:bodyPr spcFirstLastPara="1" wrap="square" lIns="91425" tIns="91425" rIns="91425" bIns="91425" anchor="t" anchorCtr="0">
+            <a:noAutofit/>
+          </a:bodyPr>
           <a:lstStyle>
             <a:lvl1pPr marL="457200" lvl="0" indent="-317500">
               <a:spcBef>
@@ -2327,7 +2340,9 @@
           </a:prstGeom>
         </p:spPr>
         <p:txBody>
-          <a:bodyPr spcFirstLastPara="1" wrap="square" lIns="91425" tIns="91425" rIns="91425" bIns="91425" anchor="t" anchorCtr="0"/>
+          <a:bodyPr spcFirstLastPara="1" wrap="square" lIns="91425" tIns="91425" rIns="91425" bIns="91425" anchor="t" anchorCtr="0">
+            <a:noAutofit/>
+          </a:bodyPr>
           <a:lstStyle>
             <a:lvl1pPr marL="457200" lvl="0" indent="-317500">
               <a:spcBef>
@@ -2446,8 +2461,8 @@
         </p:nvSpPr>
         <p:spPr>
           <a:xfrm>
-            <a:off x="8472458" y="6217622"/>
-            <a:ext cx="548700" cy="524700"/>
+            <a:off x="8472458" y="6217623"/>
+            <a:ext cx="548700" cy="524800"/>
           </a:xfrm>
           <a:prstGeom prst="rect">
             <a:avLst/>
@@ -2496,27 +2511,27 @@
             </a:lvl9pPr>
           </a:lstStyle>
           <a:p>
-            <a:pPr marL="0" lvl="0" indent="0" algn="r" rtl="0">
-              <a:spcBef>
-                <a:spcPts val="0"/>
-              </a:spcBef>
-              <a:spcAft>
-                <a:spcPts val="0"/>
-              </a:spcAft>
-              <a:buNone/>
-            </a:pPr>
             <a:fld id="{00000000-1234-1234-1234-123412341234}" type="slidenum">
-              <a:rPr lang="en"/>
+              <a:rPr lang="en">
+                <a:solidFill>
+                  <a:srgbClr val="595959"/>
+                </a:solidFill>
+              </a:rPr>
+              <a:pPr/>
               <a:t>‹#›</a:t>
             </a:fld>
-            <a:endParaRPr/>
+            <a:endParaRPr>
+              <a:solidFill>
+                <a:srgbClr val="595959"/>
+              </a:solidFill>
+            </a:endParaRPr>
           </a:p>
         </p:txBody>
       </p:sp>
     </p:spTree>
     <p:extLst>
       <p:ext uri="{BB962C8B-B14F-4D97-AF65-F5344CB8AC3E}">
-        <p14:creationId xmlns:p14="http://schemas.microsoft.com/office/powerpoint/2010/main" val="92102117"/>
+        <p14:creationId xmlns:p14="http://schemas.microsoft.com/office/powerpoint/2010/main" val="2590278726"/>
       </p:ext>
     </p:extLst>
   </p:cSld>
@@ -2556,14 +2571,16 @@
         <p:spPr>
           <a:xfrm>
             <a:off x="311700" y="593367"/>
-            <a:ext cx="8520600" cy="763500"/>
+            <a:ext cx="8520600" cy="763600"/>
           </a:xfrm>
           <a:prstGeom prst="rect">
             <a:avLst/>
           </a:prstGeom>
         </p:spPr>
         <p:txBody>
-          <a:bodyPr spcFirstLastPara="1" wrap="square" lIns="91425" tIns="91425" rIns="91425" bIns="91425" anchor="t" anchorCtr="0"/>
+          <a:bodyPr spcFirstLastPara="1" wrap="square" lIns="91425" tIns="91425" rIns="91425" bIns="91425" anchor="t" anchorCtr="0">
+            <a:noAutofit/>
+          </a:bodyPr>
           <a:lstStyle>
             <a:lvl1pPr lvl="0">
               <a:spcBef>
@@ -2682,8 +2699,8 @@
         </p:nvSpPr>
         <p:spPr>
           <a:xfrm>
-            <a:off x="8472458" y="6217622"/>
-            <a:ext cx="548700" cy="524700"/>
+            <a:off x="8472458" y="6217623"/>
+            <a:ext cx="548700" cy="524800"/>
           </a:xfrm>
           <a:prstGeom prst="rect">
             <a:avLst/>
@@ -2732,27 +2749,27 @@
             </a:lvl9pPr>
           </a:lstStyle>
           <a:p>
-            <a:pPr marL="0" lvl="0" indent="0" algn="r" rtl="0">
-              <a:spcBef>
-                <a:spcPts val="0"/>
-              </a:spcBef>
-              <a:spcAft>
-                <a:spcPts val="0"/>
-              </a:spcAft>
-              <a:buNone/>
-            </a:pPr>
             <a:fld id="{00000000-1234-1234-1234-123412341234}" type="slidenum">
-              <a:rPr lang="en"/>
+              <a:rPr lang="en">
+                <a:solidFill>
+                  <a:srgbClr val="595959"/>
+                </a:solidFill>
+              </a:rPr>
+              <a:pPr/>
               <a:t>‹#›</a:t>
             </a:fld>
-            <a:endParaRPr/>
+            <a:endParaRPr>
+              <a:solidFill>
+                <a:srgbClr val="595959"/>
+              </a:solidFill>
+            </a:endParaRPr>
           </a:p>
         </p:txBody>
       </p:sp>
     </p:spTree>
     <p:extLst>
       <p:ext uri="{BB962C8B-B14F-4D97-AF65-F5344CB8AC3E}">
-        <p14:creationId xmlns:p14="http://schemas.microsoft.com/office/powerpoint/2010/main" val="2653868381"/>
+        <p14:creationId xmlns:p14="http://schemas.microsoft.com/office/powerpoint/2010/main" val="2756590320"/>
       </p:ext>
     </p:extLst>
   </p:cSld>
@@ -2792,14 +2809,16 @@
         <p:spPr>
           <a:xfrm>
             <a:off x="311700" y="740800"/>
-            <a:ext cx="2808000" cy="1007700"/>
+            <a:ext cx="2808000" cy="1007600"/>
           </a:xfrm>
           <a:prstGeom prst="rect">
             <a:avLst/>
           </a:prstGeom>
         </p:spPr>
         <p:txBody>
-          <a:bodyPr spcFirstLastPara="1" wrap="square" lIns="91425" tIns="91425" rIns="91425" bIns="91425" anchor="b" anchorCtr="0"/>
+          <a:bodyPr spcFirstLastPara="1" wrap="square" lIns="91425" tIns="91425" rIns="91425" bIns="91425" anchor="b" anchorCtr="0">
+            <a:noAutofit/>
+          </a:bodyPr>
           <a:lstStyle>
             <a:lvl1pPr lvl="0">
               <a:spcBef>
@@ -2919,14 +2938,16 @@
         <p:spPr>
           <a:xfrm>
             <a:off x="311700" y="1852800"/>
-            <a:ext cx="2808000" cy="4239300"/>
+            <a:ext cx="2808000" cy="4239200"/>
           </a:xfrm>
           <a:prstGeom prst="rect">
             <a:avLst/>
           </a:prstGeom>
         </p:spPr>
         <p:txBody>
-          <a:bodyPr spcFirstLastPara="1" wrap="square" lIns="91425" tIns="91425" rIns="91425" bIns="91425" anchor="t" anchorCtr="0"/>
+          <a:bodyPr spcFirstLastPara="1" wrap="square" lIns="91425" tIns="91425" rIns="91425" bIns="91425" anchor="t" anchorCtr="0">
+            <a:noAutofit/>
+          </a:bodyPr>
           <a:lstStyle>
             <a:lvl1pPr marL="457200" lvl="0" indent="-304800">
               <a:spcBef>
@@ -3045,8 +3066,8 @@
         </p:nvSpPr>
         <p:spPr>
           <a:xfrm>
-            <a:off x="8472458" y="6217622"/>
-            <a:ext cx="548700" cy="524700"/>
+            <a:off x="8472458" y="6217623"/>
+            <a:ext cx="548700" cy="524800"/>
           </a:xfrm>
           <a:prstGeom prst="rect">
             <a:avLst/>
@@ -3095,27 +3116,27 @@
             </a:lvl9pPr>
           </a:lstStyle>
           <a:p>
-            <a:pPr marL="0" lvl="0" indent="0" algn="r" rtl="0">
-              <a:spcBef>
-                <a:spcPts val="0"/>
-              </a:spcBef>
-              <a:spcAft>
-                <a:spcPts val="0"/>
-              </a:spcAft>
-              <a:buNone/>
-            </a:pPr>
             <a:fld id="{00000000-1234-1234-1234-123412341234}" type="slidenum">
-              <a:rPr lang="en"/>
+              <a:rPr lang="en">
+                <a:solidFill>
+                  <a:srgbClr val="595959"/>
+                </a:solidFill>
+              </a:rPr>
+              <a:pPr/>
               <a:t>‹#›</a:t>
             </a:fld>
-            <a:endParaRPr/>
+            <a:endParaRPr>
+              <a:solidFill>
+                <a:srgbClr val="595959"/>
+              </a:solidFill>
+            </a:endParaRPr>
           </a:p>
         </p:txBody>
       </p:sp>
     </p:spTree>
     <p:extLst>
       <p:ext uri="{BB962C8B-B14F-4D97-AF65-F5344CB8AC3E}">
-        <p14:creationId xmlns:p14="http://schemas.microsoft.com/office/powerpoint/2010/main" val="2513812861"/>
+        <p14:creationId xmlns:p14="http://schemas.microsoft.com/office/powerpoint/2010/main" val="366032632"/>
       </p:ext>
     </p:extLst>
   </p:cSld>
@@ -3155,14 +3176,16 @@
         <p:spPr>
           <a:xfrm>
             <a:off x="490250" y="600200"/>
-            <a:ext cx="6367800" cy="5454300"/>
+            <a:ext cx="6367800" cy="5454400"/>
           </a:xfrm>
           <a:prstGeom prst="rect">
             <a:avLst/>
           </a:prstGeom>
         </p:spPr>
         <p:txBody>
-          <a:bodyPr spcFirstLastPara="1" wrap="square" lIns="91425" tIns="91425" rIns="91425" bIns="91425" anchor="ctr" anchorCtr="0"/>
+          <a:bodyPr spcFirstLastPara="1" wrap="square" lIns="91425" tIns="91425" rIns="91425" bIns="91425" anchor="ctr" anchorCtr="0">
+            <a:noAutofit/>
+          </a:bodyPr>
           <a:lstStyle>
             <a:lvl1pPr lvl="0">
               <a:spcBef>
@@ -3281,8 +3304,8 @@
         </p:nvSpPr>
         <p:spPr>
           <a:xfrm>
-            <a:off x="8472458" y="6217622"/>
-            <a:ext cx="548700" cy="524700"/>
+            <a:off x="8472458" y="6217623"/>
+            <a:ext cx="548700" cy="524800"/>
           </a:xfrm>
           <a:prstGeom prst="rect">
             <a:avLst/>
@@ -3331,27 +3354,27 @@
             </a:lvl9pPr>
           </a:lstStyle>
           <a:p>
-            <a:pPr marL="0" lvl="0" indent="0" algn="r" rtl="0">
-              <a:spcBef>
-                <a:spcPts val="0"/>
-              </a:spcBef>
-              <a:spcAft>
-                <a:spcPts val="0"/>
-              </a:spcAft>
-              <a:buNone/>
-            </a:pPr>
             <a:fld id="{00000000-1234-1234-1234-123412341234}" type="slidenum">
-              <a:rPr lang="en"/>
+              <a:rPr lang="en">
+                <a:solidFill>
+                  <a:srgbClr val="595959"/>
+                </a:solidFill>
+              </a:rPr>
+              <a:pPr/>
               <a:t>‹#›</a:t>
             </a:fld>
-            <a:endParaRPr/>
+            <a:endParaRPr>
+              <a:solidFill>
+                <a:srgbClr val="595959"/>
+              </a:solidFill>
+            </a:endParaRPr>
           </a:p>
         </p:txBody>
       </p:sp>
     </p:spTree>
     <p:extLst>
       <p:ext uri="{BB962C8B-B14F-4D97-AF65-F5344CB8AC3E}">
-        <p14:creationId xmlns:p14="http://schemas.microsoft.com/office/powerpoint/2010/main" val="1488052181"/>
+        <p14:creationId xmlns:p14="http://schemas.microsoft.com/office/powerpoint/2010/main" val="3806266423"/>
       </p:ext>
     </p:extLst>
   </p:cSld>
@@ -3405,16 +3428,22 @@
           </a:bodyPr>
           <a:lstStyle/>
           <a:p>
-            <a:pPr marL="0" lvl="0" indent="0" algn="l" rtl="0">
-              <a:spcBef>
-                <a:spcPts val="0"/>
-              </a:spcBef>
-              <a:spcAft>
-                <a:spcPts val="0"/>
-              </a:spcAft>
+            <a:pPr>
+              <a:buClr>
+                <a:srgbClr val="000000"/>
+              </a:buClr>
+              <a:buFont typeface="Arial"/>
               <a:buNone/>
             </a:pPr>
-            <a:endParaRPr/>
+            <a:endParaRPr sz="1400" kern="0">
+              <a:solidFill>
+                <a:srgbClr val="000000"/>
+              </a:solidFill>
+              <a:latin typeface="Arial"/>
+              <a:ea typeface="Arial"/>
+              <a:cs typeface="Arial"/>
+              <a:sym typeface="Arial"/>
+            </a:endParaRPr>
           </a:p>
         </p:txBody>
       </p:sp>
@@ -3438,7 +3467,9 @@
           </a:prstGeom>
         </p:spPr>
         <p:txBody>
-          <a:bodyPr spcFirstLastPara="1" wrap="square" lIns="91425" tIns="91425" rIns="91425" bIns="91425" anchor="b" anchorCtr="0"/>
+          <a:bodyPr spcFirstLastPara="1" wrap="square" lIns="91425" tIns="91425" rIns="91425" bIns="91425" anchor="b" anchorCtr="0">
+            <a:noAutofit/>
+          </a:bodyPr>
           <a:lstStyle>
             <a:lvl1pPr lvl="0" algn="ctr">
               <a:spcBef>
@@ -3558,14 +3589,16 @@
         <p:spPr>
           <a:xfrm>
             <a:off x="265500" y="3737433"/>
-            <a:ext cx="4045200" cy="1646700"/>
+            <a:ext cx="4045200" cy="1646800"/>
           </a:xfrm>
           <a:prstGeom prst="rect">
             <a:avLst/>
           </a:prstGeom>
         </p:spPr>
         <p:txBody>
-          <a:bodyPr spcFirstLastPara="1" wrap="square" lIns="91425" tIns="91425" rIns="91425" bIns="91425" anchor="t" anchorCtr="0"/>
+          <a:bodyPr spcFirstLastPara="1" wrap="square" lIns="91425" tIns="91425" rIns="91425" bIns="91425" anchor="t" anchorCtr="0">
+            <a:noAutofit/>
+          </a:bodyPr>
           <a:lstStyle>
             <a:lvl1pPr lvl="0" algn="ctr">
               <a:lnSpc>
@@ -3712,14 +3745,16 @@
         <p:spPr>
           <a:xfrm>
             <a:off x="4939500" y="965433"/>
-            <a:ext cx="3837000" cy="4926900"/>
+            <a:ext cx="3837000" cy="4926800"/>
           </a:xfrm>
           <a:prstGeom prst="rect">
             <a:avLst/>
           </a:prstGeom>
         </p:spPr>
         <p:txBody>
-          <a:bodyPr spcFirstLastPara="1" wrap="square" lIns="91425" tIns="91425" rIns="91425" bIns="91425" anchor="ctr" anchorCtr="0"/>
+          <a:bodyPr spcFirstLastPara="1" wrap="square" lIns="91425" tIns="91425" rIns="91425" bIns="91425" anchor="ctr" anchorCtr="0">
+            <a:noAutofit/>
+          </a:bodyPr>
           <a:lstStyle>
             <a:lvl1pPr marL="457200" lvl="0" indent="-342900">
               <a:spcBef>
@@ -3838,8 +3873,8 @@
         </p:nvSpPr>
         <p:spPr>
           <a:xfrm>
-            <a:off x="8472458" y="6217622"/>
-            <a:ext cx="548700" cy="524700"/>
+            <a:off x="8472458" y="6217623"/>
+            <a:ext cx="548700" cy="524800"/>
           </a:xfrm>
           <a:prstGeom prst="rect">
             <a:avLst/>
@@ -3888,27 +3923,27 @@
             </a:lvl9pPr>
           </a:lstStyle>
           <a:p>
-            <a:pPr marL="0" lvl="0" indent="0" algn="r" rtl="0">
-              <a:spcBef>
-                <a:spcPts val="0"/>
-              </a:spcBef>
-              <a:spcAft>
-                <a:spcPts val="0"/>
-              </a:spcAft>
-              <a:buNone/>
-            </a:pPr>
             <a:fld id="{00000000-1234-1234-1234-123412341234}" type="slidenum">
-              <a:rPr lang="en"/>
+              <a:rPr lang="en">
+                <a:solidFill>
+                  <a:srgbClr val="595959"/>
+                </a:solidFill>
+              </a:rPr>
+              <a:pPr/>
               <a:t>‹#›</a:t>
             </a:fld>
-            <a:endParaRPr/>
+            <a:endParaRPr>
+              <a:solidFill>
+                <a:srgbClr val="595959"/>
+              </a:solidFill>
+            </a:endParaRPr>
           </a:p>
         </p:txBody>
       </p:sp>
     </p:spTree>
     <p:extLst>
       <p:ext uri="{BB962C8B-B14F-4D97-AF65-F5344CB8AC3E}">
-        <p14:creationId xmlns:p14="http://schemas.microsoft.com/office/powerpoint/2010/main" val="2253903341"/>
+        <p14:creationId xmlns:p14="http://schemas.microsoft.com/office/powerpoint/2010/main" val="3400366104"/>
       </p:ext>
     </p:extLst>
   </p:cSld>
@@ -3948,14 +3983,16 @@
         <p:spPr>
           <a:xfrm>
             <a:off x="311700" y="5640767"/>
-            <a:ext cx="5998800" cy="806700"/>
+            <a:ext cx="5998800" cy="806800"/>
           </a:xfrm>
           <a:prstGeom prst="rect">
             <a:avLst/>
           </a:prstGeom>
         </p:spPr>
         <p:txBody>
-          <a:bodyPr spcFirstLastPara="1" wrap="square" lIns="91425" tIns="91425" rIns="91425" bIns="91425" anchor="ctr" anchorCtr="0"/>
+          <a:bodyPr spcFirstLastPara="1" wrap="square" lIns="91425" tIns="91425" rIns="91425" bIns="91425" anchor="ctr" anchorCtr="0">
+            <a:noAutofit/>
+          </a:bodyPr>
           <a:lstStyle>
             <a:lvl1pPr marL="457200" lvl="0" indent="-228600">
               <a:lnSpc>
@@ -3989,8 +4026,8 @@
         </p:nvSpPr>
         <p:spPr>
           <a:xfrm>
-            <a:off x="8472458" y="6217622"/>
-            <a:ext cx="548700" cy="524700"/>
+            <a:off x="8472458" y="6217623"/>
+            <a:ext cx="548700" cy="524800"/>
           </a:xfrm>
           <a:prstGeom prst="rect">
             <a:avLst/>
@@ -4039,27 +4076,27 @@
             </a:lvl9pPr>
           </a:lstStyle>
           <a:p>
-            <a:pPr marL="0" lvl="0" indent="0" algn="r" rtl="0">
-              <a:spcBef>
-                <a:spcPts val="0"/>
-              </a:spcBef>
-              <a:spcAft>
-                <a:spcPts val="0"/>
-              </a:spcAft>
-              <a:buNone/>
-            </a:pPr>
             <a:fld id="{00000000-1234-1234-1234-123412341234}" type="slidenum">
-              <a:rPr lang="en"/>
+              <a:rPr lang="en">
+                <a:solidFill>
+                  <a:srgbClr val="595959"/>
+                </a:solidFill>
+              </a:rPr>
+              <a:pPr/>
               <a:t>‹#›</a:t>
             </a:fld>
-            <a:endParaRPr/>
+            <a:endParaRPr>
+              <a:solidFill>
+                <a:srgbClr val="595959"/>
+              </a:solidFill>
+            </a:endParaRPr>
           </a:p>
         </p:txBody>
       </p:sp>
     </p:spTree>
     <p:extLst>
       <p:ext uri="{BB962C8B-B14F-4D97-AF65-F5344CB8AC3E}">
-        <p14:creationId xmlns:p14="http://schemas.microsoft.com/office/powerpoint/2010/main" val="2201016860"/>
+        <p14:creationId xmlns:p14="http://schemas.microsoft.com/office/powerpoint/2010/main" val="3864008407"/>
       </p:ext>
     </p:extLst>
   </p:cSld>
@@ -4074,20 +4111,9 @@
   <p:cSld>
     <p:bg>
       <p:bgPr>
-        <a:gradFill>
-          <a:gsLst>
-            <a:gs pos="0">
-              <a:srgbClr val="FFF6DB"/>
-            </a:gs>
-            <a:gs pos="100000">
-              <a:srgbClr val="FAD25C"/>
-            </a:gs>
-          </a:gsLst>
-          <a:path path="circle">
-            <a:fillToRect l="50000" t="50000" r="50000" b="50000"/>
-          </a:path>
-          <a:tileRect/>
-        </a:gradFill>
+        <a:solidFill>
+          <a:schemeClr val="lt1"/>
+        </a:solidFill>
         <a:effectLst/>
       </p:bgPr>
     </p:bg>
@@ -4118,7 +4144,7 @@
         <p:spPr>
           <a:xfrm>
             <a:off x="311700" y="593367"/>
-            <a:ext cx="8520600" cy="763500"/>
+            <a:ext cx="8520600" cy="763600"/>
           </a:xfrm>
           <a:prstGeom prst="rect">
             <a:avLst/>
@@ -4129,7 +4155,9 @@
           </a:ln>
         </p:spPr>
         <p:txBody>
-          <a:bodyPr spcFirstLastPara="1" wrap="square" lIns="91425" tIns="91425" rIns="91425" bIns="91425" anchor="t" anchorCtr="0"/>
+          <a:bodyPr spcFirstLastPara="1" wrap="square" lIns="91425" tIns="91425" rIns="91425" bIns="91425" anchor="t" anchorCtr="0">
+            <a:noAutofit/>
+          </a:bodyPr>
           <a:lstStyle>
             <a:lvl1pPr lvl="0">
               <a:spcBef>
@@ -4323,7 +4351,9 @@
           </a:ln>
         </p:spPr>
         <p:txBody>
-          <a:bodyPr spcFirstLastPara="1" wrap="square" lIns="91425" tIns="91425" rIns="91425" bIns="91425" anchor="t" anchorCtr="0"/>
+          <a:bodyPr spcFirstLastPara="1" wrap="square" lIns="91425" tIns="91425" rIns="91425" bIns="91425" anchor="t" anchorCtr="0">
+            <a:noAutofit/>
+          </a:bodyPr>
           <a:lstStyle>
             <a:lvl1pPr marL="457200" lvl="0" indent="-342900">
               <a:lnSpc>
@@ -4532,8 +4562,8 @@
         </p:nvSpPr>
         <p:spPr>
           <a:xfrm>
-            <a:off x="8472458" y="6217622"/>
-            <a:ext cx="548700" cy="524700"/>
+            <a:off x="8472458" y="6217623"/>
+            <a:ext cx="548700" cy="524800"/>
           </a:xfrm>
           <a:prstGeom prst="rect">
             <a:avLst/>
@@ -4622,43 +4652,64 @@
             </a:lvl9pPr>
           </a:lstStyle>
           <a:p>
-            <a:pPr marL="0" lvl="0" indent="0" algn="r" rtl="0">
-              <a:spcBef>
-                <a:spcPts val="0"/>
-              </a:spcBef>
-              <a:spcAft>
-                <a:spcPts val="0"/>
-              </a:spcAft>
+            <a:pPr>
+              <a:buClr>
+                <a:srgbClr val="000000"/>
+              </a:buClr>
+              <a:buFont typeface="Arial"/>
               <a:buNone/>
             </a:pPr>
             <a:fld id="{00000000-1234-1234-1234-123412341234}" type="slidenum">
-              <a:rPr lang="en"/>
+              <a:rPr lang="en" kern="0">
+                <a:solidFill>
+                  <a:srgbClr val="595959"/>
+                </a:solidFill>
+                <a:latin typeface="Arial"/>
+                <a:ea typeface="Arial"/>
+                <a:cs typeface="Arial"/>
+                <a:sym typeface="Arial"/>
+              </a:rPr>
+              <a:pPr>
+                <a:buClr>
+                  <a:srgbClr val="000000"/>
+                </a:buClr>
+                <a:buFont typeface="Arial"/>
+                <a:buNone/>
+              </a:pPr>
               <a:t>‹#›</a:t>
             </a:fld>
-            <a:endParaRPr/>
+            <a:endParaRPr kern="0">
+              <a:solidFill>
+                <a:srgbClr val="595959"/>
+              </a:solidFill>
+              <a:latin typeface="Arial"/>
+              <a:ea typeface="Arial"/>
+              <a:cs typeface="Arial"/>
+              <a:sym typeface="Arial"/>
+            </a:endParaRPr>
           </a:p>
         </p:txBody>
       </p:sp>
     </p:spTree>
     <p:extLst>
       <p:ext uri="{BB962C8B-B14F-4D97-AF65-F5344CB8AC3E}">
-        <p14:creationId xmlns:p14="http://schemas.microsoft.com/office/powerpoint/2010/main" val="3123302609"/>
+        <p14:creationId xmlns:p14="http://schemas.microsoft.com/office/powerpoint/2010/main" val="3563962730"/>
       </p:ext>
     </p:extLst>
   </p:cSld>
   <p:clrMap bg1="lt1" tx1="dk1" bg2="dk2" tx2="lt2" accent1="accent1" accent2="accent2" accent3="accent3" accent4="accent4" accent5="accent5" accent6="accent6" hlink="hlink" folHlink="folHlink"/>
   <p:sldLayoutIdLst>
-    <p:sldLayoutId id="2147483673" r:id="rId1"/>
-    <p:sldLayoutId id="2147483674" r:id="rId2"/>
-    <p:sldLayoutId id="2147483675" r:id="rId3"/>
-    <p:sldLayoutId id="2147483676" r:id="rId4"/>
-    <p:sldLayoutId id="2147483677" r:id="rId5"/>
-    <p:sldLayoutId id="2147483678" r:id="rId6"/>
-    <p:sldLayoutId id="2147483679" r:id="rId7"/>
-    <p:sldLayoutId id="2147483680" r:id="rId8"/>
-    <p:sldLayoutId id="2147483681" r:id="rId9"/>
-    <p:sldLayoutId id="2147483682" r:id="rId10"/>
-    <p:sldLayoutId id="2147483683" r:id="rId11"/>
+    <p:sldLayoutId id="2147483684" r:id="rId1"/>
+    <p:sldLayoutId id="2147483685" r:id="rId2"/>
+    <p:sldLayoutId id="2147483686" r:id="rId3"/>
+    <p:sldLayoutId id="2147483687" r:id="rId4"/>
+    <p:sldLayoutId id="2147483688" r:id="rId5"/>
+    <p:sldLayoutId id="2147483689" r:id="rId6"/>
+    <p:sldLayoutId id="2147483690" r:id="rId7"/>
+    <p:sldLayoutId id="2147483691" r:id="rId8"/>
+    <p:sldLayoutId id="2147483692" r:id="rId9"/>
+    <p:sldLayoutId id="2147483693" r:id="rId10"/>
+    <p:sldLayoutId id="2147483694" r:id="rId11"/>
   </p:sldLayoutIdLst>
   <p:hf sldNum="0" hdr="0" ftr="0" dt="0"/>
   <p:txStyles>
@@ -5356,17 +5407,9 @@
 <file path=ppt/slides/slide1.xml><?xml version="1.0" encoding="utf-8"?>
 <p:sld xmlns:a="http://schemas.openxmlformats.org/drawingml/2006/main" xmlns:r="http://schemas.openxmlformats.org/officeDocument/2006/relationships" xmlns:p="http://schemas.openxmlformats.org/presentationml/2006/main">
   <p:cSld>
-    <p:bg>
-      <p:bgPr>
-        <a:solidFill>
-          <a:srgbClr val="000000"/>
-        </a:solidFill>
-        <a:effectLst/>
-      </p:bgPr>
-    </p:bg>
     <p:spTree>
       <p:nvGrpSpPr>
-        <p:cNvPr id="1" name="Shape 78"/>
+        <p:cNvPr id="1" name="Shape 53"/>
         <p:cNvGrpSpPr/>
         <p:nvPr/>
       </p:nvGrpSpPr>
@@ -5380,66 +5423,61 @@
       </p:grpSpPr>
       <p:sp>
         <p:nvSpPr>
-          <p:cNvPr id="4" name="Rectangle 3">
-            <a:extLst>
-              <a:ext uri="{FF2B5EF4-FFF2-40B4-BE49-F238E27FC236}">
-                <a16:creationId xmlns:a16="http://schemas.microsoft.com/office/drawing/2014/main" id="{EB5D453D-9BC9-0A43-BF8D-191D200E787B}"/>
-              </a:ext>
-            </a:extLst>
-          </p:cNvPr>
+          <p:cNvPr id="54" name="Google Shape;54;p13"/>
           <p:cNvSpPr/>
           <p:nvPr/>
         </p:nvSpPr>
         <p:spPr>
           <a:xfrm>
             <a:off x="0" y="0"/>
-            <a:ext cx="9144000" cy="6858025"/>
+            <a:ext cx="9144000" cy="6858000"/>
           </a:xfrm>
           <a:prstGeom prst="rect">
             <a:avLst/>
           </a:prstGeom>
           <a:solidFill>
-            <a:schemeClr val="tx1"/>
+            <a:schemeClr val="dk1"/>
           </a:solidFill>
           <a:ln>
             <a:noFill/>
           </a:ln>
         </p:spPr>
-        <p:style>
-          <a:lnRef idx="2">
-            <a:schemeClr val="accent1">
-              <a:shade val="50000"/>
-            </a:schemeClr>
-          </a:lnRef>
-          <a:fillRef idx="1">
-            <a:schemeClr val="accent1"/>
-          </a:fillRef>
-          <a:effectRef idx="0">
-            <a:schemeClr val="accent1"/>
-          </a:effectRef>
-          <a:fontRef idx="minor">
-            <a:schemeClr val="lt1"/>
-          </a:fontRef>
-        </p:style>
         <p:txBody>
-          <a:bodyPr rtlCol="0" anchor="ctr"/>
+          <a:bodyPr spcFirstLastPara="1" wrap="square" lIns="91425" tIns="45700" rIns="91425" bIns="45700" anchor="ctr" anchorCtr="0">
+            <a:noAutofit/>
+          </a:bodyPr>
           <a:lstStyle/>
           <a:p>
-            <a:pPr algn="ctr"/>
-            <a:endParaRPr lang="en-US"/>
+            <a:pPr algn="ctr">
+              <a:buClr>
+                <a:srgbClr val="000000"/>
+              </a:buClr>
+              <a:buSzPts val="1800"/>
+              <a:buFont typeface="Arial"/>
+              <a:buNone/>
+            </a:pPr>
+            <a:endParaRPr kern="0">
+              <a:solidFill>
+                <a:srgbClr val="FFFFFF"/>
+              </a:solidFill>
+              <a:latin typeface="Calibri"/>
+              <a:ea typeface="Calibri"/>
+              <a:cs typeface="Calibri"/>
+              <a:sym typeface="Calibri"/>
+            </a:endParaRPr>
           </a:p>
         </p:txBody>
       </p:sp>
       <p:sp>
         <p:nvSpPr>
-          <p:cNvPr id="79" name="Google Shape;79;p15"/>
+          <p:cNvPr id="55" name="Google Shape;55;p13"/>
           <p:cNvSpPr txBox="1"/>
           <p:nvPr/>
         </p:nvSpPr>
         <p:spPr>
           <a:xfrm>
-            <a:off x="162838" y="1785366"/>
-            <a:ext cx="8688337" cy="3404829"/>
+            <a:off x="948850" y="1905933"/>
+            <a:ext cx="7719900" cy="3404800"/>
           </a:xfrm>
           <a:prstGeom prst="rect">
             <a:avLst/>
@@ -5455,55 +5493,47 @@
           </a:bodyPr>
           <a:lstStyle/>
           <a:p>
-            <a:pPr marL="0" marR="0" lvl="0" indent="0" algn="ctr" defTabSz="914400" rtl="0" eaLnBrk="1" fontAlgn="auto" latinLnBrk="0" hangingPunct="1">
-              <a:lnSpc>
-                <a:spcPct val="100000"/>
-              </a:lnSpc>
-              <a:spcBef>
-                <a:spcPts val="0"/>
-              </a:spcBef>
-              <a:spcAft>
-                <a:spcPts val="0"/>
-              </a:spcAft>
+            <a:pPr algn="ctr">
               <a:buClr>
                 <a:srgbClr val="000000"/>
               </a:buClr>
-              <a:buSzTx/>
               <a:buFont typeface="Arial"/>
               <a:buNone/>
-              <a:tabLst/>
-              <a:defRPr/>
             </a:pPr>
             <a:r>
-              <a:rPr kumimoji="0" lang="en-US" sz="3200" b="0" i="0" u="none" strike="noStrike" kern="0" cap="none" spc="0" normalizeH="0" baseline="0" noProof="0" dirty="0">
-                <a:ln>
-                  <a:noFill/>
-                </a:ln>
+              <a:rPr lang="en-US" sz="3600" b="1" kern="0" dirty="0" err="1" smtClean="0">
                 <a:solidFill>
-                  <a:schemeClr val="bg1"/>
+                  <a:srgbClr val="FFFFFF"/>
                 </a:solidFill>
-                <a:effectLst/>
-                <a:uLnTx/>
-                <a:uFillTx/>
-                <a:latin typeface="Trebuchet MS" panose="020B0703020202090204" pitchFamily="34" charset="0"/>
-                <a:cs typeface="Arial"/>
-                <a:sym typeface="Arial"/>
+                <a:latin typeface="Calibri"/>
+                <a:ea typeface="Calibri"/>
+                <a:cs typeface="Calibri"/>
+                <a:sym typeface="Calibri"/>
               </a:rPr>
               <a:t>Bhajan</a:t>
             </a:r>
+            <a:endParaRPr sz="3600" b="1" kern="0" dirty="0">
+              <a:solidFill>
+                <a:srgbClr val="FFFFFF"/>
+              </a:solidFill>
+              <a:latin typeface="Calibri"/>
+              <a:ea typeface="Calibri"/>
+              <a:cs typeface="Calibri"/>
+              <a:sym typeface="Calibri"/>
+            </a:endParaRPr>
           </a:p>
         </p:txBody>
       </p:sp>
       <p:sp>
         <p:nvSpPr>
-          <p:cNvPr id="80" name="Google Shape;80;p15"/>
+          <p:cNvPr id="56" name="Google Shape;56;p13"/>
           <p:cNvSpPr txBox="1"/>
           <p:nvPr/>
         </p:nvSpPr>
         <p:spPr>
           <a:xfrm>
-            <a:off x="3489880" y="1175111"/>
-            <a:ext cx="2096727" cy="356700"/>
+            <a:off x="2880272" y="1175100"/>
+            <a:ext cx="3423900" cy="356800"/>
           </a:xfrm>
           <a:prstGeom prst="rect">
             <a:avLst/>
@@ -5519,77 +5549,36 @@
           </a:bodyPr>
           <a:lstStyle/>
           <a:p>
-            <a:pPr marL="0" marR="0" lvl="0" indent="0" algn="ctr" defTabSz="914400" rtl="0" eaLnBrk="1" fontAlgn="auto" latinLnBrk="0" hangingPunct="1">
-              <a:lnSpc>
-                <a:spcPct val="100000"/>
-              </a:lnSpc>
-              <a:spcBef>
-                <a:spcPts val="0"/>
-              </a:spcBef>
-              <a:spcAft>
-                <a:spcPts val="0"/>
-              </a:spcAft>
+            <a:pPr algn="ctr">
               <a:buClr>
                 <a:srgbClr val="000000"/>
               </a:buClr>
-              <a:buSzTx/>
+              <a:buSzPts val="1400"/>
               <a:buFont typeface="Arial"/>
               <a:buNone/>
-              <a:tabLst/>
-              <a:defRPr/>
             </a:pPr>
-            <a:r>
-              <a:rPr kumimoji="0" lang="en-US" b="1" i="0" u="none" strike="noStrike" kern="0" cap="none" spc="0" normalizeH="0" baseline="0" noProof="0" dirty="0">
-                <a:ln>
-                  <a:noFill/>
-                </a:ln>
-                <a:solidFill>
-                  <a:srgbClr val="FFFFFF"/>
-                </a:solidFill>
-                <a:effectLst/>
-                <a:uLnTx/>
-                <a:uFillTx/>
-                <a:latin typeface="Trebuchet MS" panose="020B0703020202090204" pitchFamily="34" charset="0"/>
-                <a:cs typeface="Arial"/>
-                <a:sym typeface="Arial"/>
-              </a:rPr>
-              <a:t>Scale</a:t>
-            </a:r>
-            <a:endParaRPr kumimoji="0" sz="1400" b="1" i="0" u="none" strike="noStrike" kern="0" cap="none" spc="0" normalizeH="0" baseline="0" noProof="0" dirty="0">
-              <a:ln>
-                <a:noFill/>
-              </a:ln>
+            <a:endParaRPr sz="2400" b="1" i="1" kern="0">
               <a:solidFill>
-                <a:srgbClr val="FF0000"/>
+                <a:srgbClr val="FFFFFF"/>
               </a:solidFill>
-              <a:effectLst/>
-              <a:uLnTx/>
-              <a:uFillTx/>
-              <a:latin typeface="Trebuchet MS" panose="020B0703020202090204" pitchFamily="34" charset="0"/>
-              <a:cs typeface="Arial"/>
-              <a:sym typeface="Arial"/>
+              <a:latin typeface="Trebuchet MS"/>
+              <a:ea typeface="Trebuchet MS"/>
+              <a:cs typeface="Trebuchet MS"/>
+              <a:sym typeface="Trebuchet MS"/>
             </a:endParaRPr>
           </a:p>
         </p:txBody>
       </p:sp>
-      <p:pic>
-        <p:nvPicPr>
-          <p:cNvPr id="82" name="Google Shape;82;p15"/>
-          <p:cNvPicPr preferRelativeResize="0"/>
+      <p:sp>
+        <p:nvSpPr>
+          <p:cNvPr id="57" name="Google Shape;57;p13"/>
+          <p:cNvSpPr/>
           <p:nvPr/>
-        </p:nvPicPr>
-        <p:blipFill>
-          <a:blip r:embed="rId3">
-            <a:alphaModFix/>
-          </a:blip>
-          <a:stretch>
-            <a:fillRect/>
-          </a:stretch>
-        </p:blipFill>
+        </p:nvSpPr>
         <p:spPr>
           <a:xfrm>
-            <a:off x="0" y="-25"/>
-            <a:ext cx="2136751" cy="1606450"/>
+            <a:off x="7219950" y="6490743"/>
+            <a:ext cx="1854300" cy="315200"/>
           </a:xfrm>
           <a:prstGeom prst="rect">
             <a:avLst/>
@@ -5599,17 +5588,291 @@
             <a:noFill/>
           </a:ln>
         </p:spPr>
-      </p:pic>
+        <p:txBody>
+          <a:bodyPr spcFirstLastPara="1" wrap="square" lIns="91425" tIns="45700" rIns="91425" bIns="45700" anchor="t" anchorCtr="0">
+            <a:noAutofit/>
+          </a:bodyPr>
+          <a:lstStyle/>
+          <a:p>
+            <a:pPr>
+              <a:buClr>
+                <a:srgbClr val="000000"/>
+              </a:buClr>
+              <a:buSzPts val="1800"/>
+              <a:buFont typeface="Arial"/>
+              <a:buNone/>
+            </a:pPr>
+            <a:endParaRPr kern="0">
+              <a:solidFill>
+                <a:srgbClr val="595959"/>
+              </a:solidFill>
+              <a:latin typeface="Trebuchet MS"/>
+              <a:ea typeface="Trebuchet MS"/>
+              <a:cs typeface="Trebuchet MS"/>
+              <a:sym typeface="Trebuchet MS"/>
+            </a:endParaRPr>
+          </a:p>
+        </p:txBody>
+      </p:sp>
       <p:sp>
         <p:nvSpPr>
-          <p:cNvPr id="84" name="Google Shape;84;p15"/>
+          <p:cNvPr id="58" name="Google Shape;58;p13"/>
+          <p:cNvSpPr/>
+          <p:nvPr/>
+        </p:nvSpPr>
+        <p:spPr>
+          <a:xfrm>
+            <a:off x="530412" y="6497151"/>
+            <a:ext cx="776700" cy="315200"/>
+          </a:xfrm>
+          <a:prstGeom prst="rect">
+            <a:avLst/>
+          </a:prstGeom>
+          <a:noFill/>
+          <a:ln>
+            <a:noFill/>
+          </a:ln>
+        </p:spPr>
+        <p:txBody>
+          <a:bodyPr spcFirstLastPara="1" wrap="square" lIns="91425" tIns="45700" rIns="91425" bIns="45700" anchor="t" anchorCtr="0">
+            <a:noAutofit/>
+          </a:bodyPr>
+          <a:lstStyle/>
+          <a:p>
+            <a:pPr algn="ctr">
+              <a:buClr>
+                <a:srgbClr val="000000"/>
+              </a:buClr>
+              <a:buSzPts val="1800"/>
+              <a:buFont typeface="Arial"/>
+              <a:buNone/>
+            </a:pPr>
+            <a:endParaRPr kern="0">
+              <a:solidFill>
+                <a:srgbClr val="5B5B5B"/>
+              </a:solidFill>
+              <a:latin typeface="Trebuchet MS"/>
+              <a:ea typeface="Trebuchet MS"/>
+              <a:cs typeface="Trebuchet MS"/>
+              <a:sym typeface="Trebuchet MS"/>
+            </a:endParaRPr>
+          </a:p>
+        </p:txBody>
+      </p:sp>
+      <p:pic>
+        <p:nvPicPr>
+          <p:cNvPr id="59" name="Google Shape;59;p13" descr="Sarva Dharma Logo"/>
+          <p:cNvPicPr preferRelativeResize="0"/>
+          <p:nvPr/>
+        </p:nvPicPr>
+        <p:blipFill rotWithShape="1">
+          <a:blip r:embed="rId3">
+            <a:alphaModFix/>
+          </a:blip>
+          <a:srcRect/>
+          <a:stretch/>
+        </p:blipFill>
+        <p:spPr>
+          <a:xfrm>
+            <a:off x="107703" y="127100"/>
+            <a:ext cx="1697034" cy="1719149"/>
+          </a:xfrm>
+          <a:prstGeom prst="rect">
+            <a:avLst/>
+          </a:prstGeom>
+          <a:noFill/>
+          <a:ln>
+            <a:noFill/>
+          </a:ln>
+          <a:effectLst>
+            <a:outerShdw blurRad="342900" dist="76200" dir="300000" algn="bl" rotWithShape="0">
+              <a:srgbClr val="FF9900">
+                <a:alpha val="74900"/>
+              </a:srgbClr>
+            </a:outerShdw>
+          </a:effectLst>
+        </p:spPr>
+      </p:pic>
+      <p:grpSp>
+        <p:nvGrpSpPr>
+          <p:cNvPr id="2" name="Group 1"/>
+          <p:cNvGrpSpPr/>
+          <p:nvPr/>
+        </p:nvGrpSpPr>
+        <p:grpSpPr>
+          <a:xfrm>
+            <a:off x="7338800" y="73628"/>
+            <a:ext cx="1689725" cy="1719149"/>
+            <a:chOff x="7795975" y="127100"/>
+            <a:chExt cx="1232550" cy="1603169"/>
+          </a:xfrm>
+        </p:grpSpPr>
+        <p:sp>
+          <p:nvSpPr>
+            <p:cNvPr id="60" name="Google Shape;60;p13"/>
+            <p:cNvSpPr/>
+            <p:nvPr/>
+          </p:nvSpPr>
+          <p:spPr>
+            <a:xfrm>
+              <a:off x="7795975" y="1355702"/>
+              <a:ext cx="1232550" cy="374567"/>
+            </a:xfrm>
+            <a:prstGeom prst="flowChartMagneticDisk">
+              <a:avLst/>
+            </a:prstGeom>
+            <a:gradFill>
+              <a:gsLst>
+                <a:gs pos="0">
+                  <a:srgbClr val="A4C2F4"/>
+                </a:gs>
+                <a:gs pos="100000">
+                  <a:srgbClr val="FAD25C"/>
+                </a:gs>
+              </a:gsLst>
+              <a:lin ang="5400012" scaled="0"/>
+            </a:gradFill>
+            <a:ln w="9525" cap="flat" cmpd="sng">
+              <a:solidFill>
+                <a:srgbClr val="FF9900"/>
+              </a:solidFill>
+              <a:prstDash val="solid"/>
+              <a:round/>
+              <a:headEnd type="none" w="sm" len="sm"/>
+              <a:tailEnd type="none" w="sm" len="sm"/>
+            </a:ln>
+          </p:spPr>
+          <p:txBody>
+            <a:bodyPr spcFirstLastPara="1" wrap="square" lIns="91425" tIns="91425" rIns="91425" bIns="91425" anchor="ctr" anchorCtr="0">
+              <a:noAutofit/>
+            </a:bodyPr>
+            <a:lstStyle/>
+            <a:p>
+              <a:pPr>
+                <a:buClr>
+                  <a:srgbClr val="000000"/>
+                </a:buClr>
+                <a:buFont typeface="Arial"/>
+                <a:buNone/>
+              </a:pPr>
+              <a:endParaRPr sz="1400" kern="0">
+                <a:solidFill>
+                  <a:srgbClr val="000000"/>
+                </a:solidFill>
+                <a:latin typeface="Arial"/>
+                <a:ea typeface="Arial"/>
+                <a:cs typeface="Arial"/>
+                <a:sym typeface="Arial"/>
+              </a:endParaRPr>
+            </a:p>
+          </p:txBody>
+        </p:sp>
+        <p:pic>
+          <p:nvPicPr>
+            <p:cNvPr id="61" name="Google Shape;61;p13"/>
+            <p:cNvPicPr preferRelativeResize="0"/>
+            <p:nvPr/>
+          </p:nvPicPr>
+          <p:blipFill rotWithShape="1">
+            <a:blip r:embed="rId4">
+              <a:alphaModFix/>
+            </a:blip>
+            <a:srcRect t="1739" r="8020" b="19538"/>
+            <a:stretch/>
+          </p:blipFill>
+          <p:spPr>
+            <a:xfrm>
+              <a:off x="7970550" y="127100"/>
+              <a:ext cx="940500" cy="1322800"/>
+            </a:xfrm>
+            <a:prstGeom prst="round2SameRect">
+              <a:avLst>
+                <a:gd name="adj1" fmla="val 16667"/>
+                <a:gd name="adj2" fmla="val 0"/>
+              </a:avLst>
+            </a:prstGeom>
+            <a:noFill/>
+            <a:ln>
+              <a:noFill/>
+            </a:ln>
+          </p:spPr>
+        </p:pic>
+      </p:grpSp>
+      <p:sp>
+        <p:nvSpPr>
+          <p:cNvPr id="62" name="Google Shape;62;p13"/>
+          <p:cNvSpPr/>
+          <p:nvPr/>
+        </p:nvSpPr>
+        <p:spPr>
+          <a:xfrm>
+            <a:off x="3048850" y="314468"/>
+            <a:ext cx="3204120" cy="374567"/>
+          </a:xfrm>
+          <a:prstGeom prst="rect">
+            <a:avLst/>
+          </a:prstGeom>
+        </p:spPr>
+        <p:txBody>
+          <a:bodyPr>
+            <a:prstTxWarp prst="textPlain">
+              <a:avLst/>
+            </a:prstTxWarp>
+          </a:bodyPr>
+          <a:lstStyle/>
+          <a:p>
+            <a:pPr algn="ctr">
+              <a:buClr>
+                <a:srgbClr val="000000"/>
+              </a:buClr>
+              <a:buFont typeface="Arial"/>
+              <a:buNone/>
+            </a:pPr>
+            <a:r>
+              <a:rPr sz="1400" b="1" i="1" kern="0">
+                <a:ln w="9525" cap="flat" cmpd="sng">
+                  <a:solidFill>
+                    <a:srgbClr val="999999"/>
+                  </a:solidFill>
+                  <a:prstDash val="solid"/>
+                  <a:round/>
+                  <a:headEnd type="none" w="sm" len="sm"/>
+                  <a:tailEnd type="none" w="sm" len="sm"/>
+                </a:ln>
+                <a:gradFill>
+                  <a:gsLst>
+                    <a:gs pos="0">
+                      <a:srgbClr val="FFFFFF"/>
+                    </a:gs>
+                    <a:gs pos="100000">
+                      <a:srgbClr val="B3B3B3"/>
+                    </a:gs>
+                  </a:gsLst>
+                  <a:path path="circle">
+                    <a:fillToRect l="50000" t="50000" r="50000" b="50000"/>
+                  </a:path>
+                  <a:tileRect/>
+                </a:gradFill>
+                <a:latin typeface="Droid Serif"/>
+                <a:ea typeface="Arial"/>
+                <a:cs typeface="Arial"/>
+                <a:sym typeface="Arial"/>
+              </a:rPr>
+              <a:t>Maha Shivaratri</a:t>
+            </a:r>
+          </a:p>
+        </p:txBody>
+      </p:sp>
+      <p:sp>
+        <p:nvSpPr>
+          <p:cNvPr id="63" name="Google Shape;63;p13"/>
           <p:cNvSpPr txBox="1"/>
           <p:nvPr/>
         </p:nvSpPr>
         <p:spPr>
           <a:xfrm>
-            <a:off x="162838" y="5231921"/>
-            <a:ext cx="8688337" cy="1139850"/>
+            <a:off x="340225" y="4980331"/>
+            <a:ext cx="8688300" cy="923600"/>
           </a:xfrm>
           <a:prstGeom prst="rect">
             <a:avLst/>
@@ -5625,249 +5888,67 @@
           </a:bodyPr>
           <a:lstStyle/>
           <a:p>
-            <a:pPr marL="0" marR="0" lvl="0" indent="0" algn="ctr" defTabSz="914400" rtl="0" eaLnBrk="1" fontAlgn="auto" latinLnBrk="0" hangingPunct="1">
-              <a:lnSpc>
-                <a:spcPct val="100000"/>
-              </a:lnSpc>
-              <a:spcBef>
-                <a:spcPts val="0"/>
-              </a:spcBef>
-              <a:spcAft>
-                <a:spcPts val="0"/>
-              </a:spcAft>
+            <a:pPr algn="ctr">
               <a:buClr>
                 <a:srgbClr val="000000"/>
               </a:buClr>
-              <a:buSzTx/>
+              <a:buSzPts val="1800"/>
               <a:buFont typeface="Arial"/>
               <a:buNone/>
-              <a:tabLst/>
-              <a:defRPr/>
             </a:pPr>
             <a:r>
-              <a:rPr kumimoji="0" lang="en" b="0" i="1" u="none" strike="noStrike" kern="0" cap="none" spc="0" normalizeH="0" baseline="0" noProof="0" dirty="0">
-                <a:ln>
-                  <a:noFill/>
-                </a:ln>
+              <a:rPr lang="en-US" sz="1100" i="1" kern="0" dirty="0" smtClean="0">
                 <a:solidFill>
                   <a:srgbClr val="F6B26B"/>
                 </a:solidFill>
-                <a:effectLst/>
-                <a:uLnTx/>
-                <a:uFillTx/>
-                <a:latin typeface="Trebuchet MS" panose="020B0703020202090204" pitchFamily="34" charset="0"/>
-                <a:cs typeface="Arial"/>
-                <a:sym typeface="Arial"/>
+                <a:latin typeface="Trebuchet MS"/>
+                <a:ea typeface="Trebuchet MS"/>
+                <a:cs typeface="Trebuchet MS"/>
+                <a:sym typeface="Trebuchet MS"/>
               </a:rPr>
               <a:t>Meaning</a:t>
             </a:r>
-            <a:endParaRPr kumimoji="0" b="0" i="1" u="none" strike="noStrike" kern="0" cap="none" spc="0" normalizeH="0" baseline="0" noProof="0" dirty="0">
-              <a:ln>
-                <a:noFill/>
-              </a:ln>
+            <a:endParaRPr sz="1100" i="1" kern="0" dirty="0">
               <a:solidFill>
                 <a:srgbClr val="F6B26B"/>
               </a:solidFill>
-              <a:effectLst/>
-              <a:uLnTx/>
-              <a:uFillTx/>
-              <a:latin typeface="Trebuchet MS" panose="020B0703020202090204" pitchFamily="34" charset="0"/>
-              <a:cs typeface="Arial"/>
-              <a:sym typeface="Arial"/>
+              <a:latin typeface="Trebuchet MS"/>
+              <a:ea typeface="Trebuchet MS"/>
+              <a:cs typeface="Trebuchet MS"/>
+              <a:sym typeface="Trebuchet MS"/>
             </a:endParaRPr>
           </a:p>
-        </p:txBody>
-      </p:sp>
-      <p:pic>
-        <p:nvPicPr>
-          <p:cNvPr id="86" name="Google Shape;86;p15"/>
-          <p:cNvPicPr preferRelativeResize="0"/>
-          <p:nvPr/>
-        </p:nvPicPr>
-        <p:blipFill rotWithShape="1">
-          <a:blip r:embed="rId4">
-            <a:alphaModFix amt="95000"/>
-          </a:blip>
-          <a:srcRect l="9063" r="16275"/>
-          <a:stretch/>
-        </p:blipFill>
-        <p:spPr>
-          <a:xfrm>
-            <a:off x="894825" y="579852"/>
-            <a:ext cx="347100" cy="446700"/>
-          </a:xfrm>
-          <a:prstGeom prst="ellipse">
-            <a:avLst/>
-          </a:prstGeom>
-          <a:noFill/>
-          <a:ln>
-            <a:noFill/>
-          </a:ln>
-        </p:spPr>
-      </p:pic>
-      <p:sp>
-        <p:nvSpPr>
-          <p:cNvPr id="10" name="AutoShape 4">
-            <a:extLst>
-              <a:ext uri="{FF2B5EF4-FFF2-40B4-BE49-F238E27FC236}">
-                <a16:creationId xmlns:a16="http://schemas.microsoft.com/office/drawing/2014/main" id="{AE792CC8-C14E-B14F-83B3-814BF0B0DDC1}"/>
-              </a:ext>
-            </a:extLst>
-          </p:cNvPr>
-          <p:cNvSpPr/>
-          <p:nvPr/>
-        </p:nvSpPr>
-        <p:spPr>
-          <a:xfrm>
-            <a:off x="7219950" y="6490742"/>
-            <a:ext cx="1854200" cy="315266"/>
-          </a:xfrm>
-          <a:prstGeom prst="rect">
-            <a:avLst/>
-          </a:prstGeom>
-        </p:spPr>
-        <p:txBody>
-          <a:bodyPr/>
-          <a:lstStyle/>
           <a:p>
-            <a:r>
-              <a:rPr lang="en-US" sz="1800" dirty="0" err="1">
-                <a:solidFill>
-                  <a:schemeClr val="tx1">
-                    <a:lumMod val="65000"/>
-                    <a:lumOff val="35000"/>
-                  </a:schemeClr>
-                </a:solidFill>
-                <a:latin typeface="Trebuchet MS" panose="020B0703020202090204" pitchFamily="34" charset="0"/>
-              </a:rPr>
-              <a:t>NextScale</a:t>
-            </a:r>
-            <a:endParaRPr lang="en-US" sz="1800" dirty="0">
+            <a:pPr algn="ctr">
+              <a:buClr>
+                <a:srgbClr val="000000"/>
+              </a:buClr>
+              <a:buSzPts val="1800"/>
+              <a:buFont typeface="Arial"/>
+              <a:buNone/>
+            </a:pPr>
+            <a:endParaRPr sz="1100" i="1" kern="0" dirty="0">
               <a:solidFill>
-                <a:schemeClr val="tx1">
-                  <a:lumMod val="65000"/>
-                  <a:lumOff val="35000"/>
-                </a:schemeClr>
+                <a:srgbClr val="F6B26B"/>
               </a:solidFill>
-              <a:latin typeface="Trebuchet MS" panose="020B0703020202090204" pitchFamily="34" charset="0"/>
+              <a:latin typeface="Trebuchet MS"/>
+              <a:ea typeface="Trebuchet MS"/>
+              <a:cs typeface="Trebuchet MS"/>
+              <a:sym typeface="Trebuchet MS"/>
             </a:endParaRPr>
           </a:p>
         </p:txBody>
       </p:sp>
       <p:sp>
         <p:nvSpPr>
-          <p:cNvPr id="11" name="AutoShape 5">
-            <a:extLst>
-              <a:ext uri="{FF2B5EF4-FFF2-40B4-BE49-F238E27FC236}">
-                <a16:creationId xmlns:a16="http://schemas.microsoft.com/office/drawing/2014/main" id="{621DD7B5-A603-964C-AC4F-6F4D84B243C4}"/>
-              </a:ext>
-            </a:extLst>
-          </p:cNvPr>
+          <p:cNvPr id="64" name="Google Shape;64;p13"/>
           <p:cNvSpPr/>
           <p:nvPr/>
         </p:nvSpPr>
         <p:spPr>
           <a:xfrm>
-            <a:off x="1307012" y="6480476"/>
-            <a:ext cx="5912938" cy="342206"/>
-          </a:xfrm>
-          <a:prstGeom prst="rect">
-            <a:avLst/>
-          </a:prstGeom>
-        </p:spPr>
-        <p:txBody>
-          <a:bodyPr/>
-          <a:lstStyle/>
-          <a:p>
-            <a:r>
-              <a:rPr lang="en-US" sz="1800" dirty="0" err="1">
-                <a:solidFill>
-                  <a:schemeClr val="tx1">
-                    <a:lumMod val="65000"/>
-                    <a:lumOff val="35000"/>
-                  </a:schemeClr>
-                </a:solidFill>
-                <a:latin typeface="Trebuchet MS" panose="020B0703020202090204" pitchFamily="34" charset="0"/>
-              </a:rPr>
-              <a:t>NextBhajan</a:t>
-            </a:r>
-            <a:endParaRPr lang="en-US" sz="1800" dirty="0">
-              <a:solidFill>
-                <a:schemeClr val="tx1">
-                  <a:lumMod val="65000"/>
-                  <a:lumOff val="35000"/>
-                </a:schemeClr>
-              </a:solidFill>
-              <a:latin typeface="Trebuchet MS" panose="020B0703020202090204" pitchFamily="34" charset="0"/>
-            </a:endParaRPr>
-          </a:p>
-        </p:txBody>
-      </p:sp>
-      <p:sp>
-        <p:nvSpPr>
-          <p:cNvPr id="12" name="AutoShape 4">
-            <a:extLst>
-              <a:ext uri="{FF2B5EF4-FFF2-40B4-BE49-F238E27FC236}">
-                <a16:creationId xmlns:a16="http://schemas.microsoft.com/office/drawing/2014/main" id="{3D7CD8CA-3AC2-5442-BA7C-456E6AF06A02}"/>
-              </a:ext>
-            </a:extLst>
-          </p:cNvPr>
-          <p:cNvSpPr/>
-          <p:nvPr/>
-        </p:nvSpPr>
-        <p:spPr>
-          <a:xfrm>
-            <a:off x="530412" y="6497150"/>
-            <a:ext cx="776599" cy="315266"/>
-          </a:xfrm>
-          <a:prstGeom prst="rect">
-            <a:avLst/>
-          </a:prstGeom>
-        </p:spPr>
-        <p:txBody>
-          <a:bodyPr/>
-          <a:lstStyle/>
-          <a:p>
-            <a:pPr algn="ctr"/>
-            <a:r>
-              <a:rPr lang="en-US" sz="1800" dirty="0">
-                <a:solidFill>
-                  <a:schemeClr val="tx1">
-                    <a:lumMod val="65000"/>
-                    <a:lumOff val="35000"/>
-                  </a:schemeClr>
-                </a:solidFill>
-                <a:latin typeface="Trebuchet MS" panose="020B0703020202090204" pitchFamily="34" charset="0"/>
-              </a:rPr>
-              <a:t>Next:</a:t>
-            </a:r>
-          </a:p>
-        </p:txBody>
-      </p:sp>
-      <p:pic>
-        <p:nvPicPr>
-          <p:cNvPr id="14" name="Google Shape;81;p15" descr="Sarva Dharma Logo">
-            <a:extLst>
-              <a:ext uri="{FF2B5EF4-FFF2-40B4-BE49-F238E27FC236}">
-                <a16:creationId xmlns:a16="http://schemas.microsoft.com/office/drawing/2014/main" id="{6395FAD2-5332-3B49-8018-2DCBC9B7BC06}"/>
-              </a:ext>
-            </a:extLst>
-          </p:cNvPr>
-          <p:cNvPicPr preferRelativeResize="0"/>
-          <p:nvPr/>
-        </p:nvPicPr>
-        <p:blipFill>
-          <a:blip r:embed="rId5">
-            <a:alphaModFix/>
-          </a:blip>
-          <a:stretch>
-            <a:fillRect/>
-          </a:stretch>
-        </p:blipFill>
-        <p:spPr>
-          <a:xfrm>
-            <a:off x="7608175" y="314588"/>
-            <a:ext cx="1213675" cy="1221825"/>
+            <a:off x="2931800" y="5987133"/>
+            <a:ext cx="4407000" cy="420400"/>
           </a:xfrm>
           <a:prstGeom prst="rect">
             <a:avLst/>
@@ -5876,49 +5957,96 @@
           <a:ln>
             <a:noFill/>
           </a:ln>
-          <a:effectLst>
-            <a:outerShdw blurRad="342900" dist="76200" dir="300000" algn="bl" rotWithShape="0">
-              <a:srgbClr val="FF9900">
-                <a:alpha val="75000"/>
-              </a:srgbClr>
-            </a:outerShdw>
-          </a:effectLst>
         </p:spPr>
-      </p:pic>
-      <p:pic>
-        <p:nvPicPr>
-          <p:cNvPr id="3" name="Picture 2">
-            <a:extLst>
-              <a:ext uri="{FF2B5EF4-FFF2-40B4-BE49-F238E27FC236}">
-                <a16:creationId xmlns:a16="http://schemas.microsoft.com/office/drawing/2014/main" id="{54B30F53-F9F6-7745-8A4B-546222BDF11F}"/>
-              </a:ext>
-            </a:extLst>
-          </p:cNvPr>
-          <p:cNvPicPr>
-            <a:picLocks noChangeAspect="1"/>
-          </p:cNvPicPr>
-          <p:nvPr/>
-        </p:nvPicPr>
-        <p:blipFill>
-          <a:blip r:embed="rId6"/>
-          <a:stretch>
-            <a:fillRect/>
-          </a:stretch>
-        </p:blipFill>
-        <p:spPr>
-          <a:xfrm>
-            <a:off x="1543792" y="178942"/>
-            <a:ext cx="6064383" cy="795179"/>
-          </a:xfrm>
-          <a:prstGeom prst="rect">
-            <a:avLst/>
-          </a:prstGeom>
-        </p:spPr>
-      </p:pic>
+        <p:txBody>
+          <a:bodyPr spcFirstLastPara="1" wrap="square" lIns="91425" tIns="45700" rIns="91425" bIns="45700" anchor="t" anchorCtr="0">
+            <a:noAutofit/>
+          </a:bodyPr>
+          <a:lstStyle/>
+          <a:p>
+            <a:pPr>
+              <a:buClr>
+                <a:srgbClr val="000000"/>
+              </a:buClr>
+              <a:buFont typeface="Arial"/>
+              <a:buNone/>
+            </a:pPr>
+            <a:r>
+              <a:rPr lang="en" sz="1100" kern="0" dirty="0">
+                <a:solidFill>
+                  <a:srgbClr val="EFEFEF"/>
+                </a:solidFill>
+                <a:latin typeface="Trebuchet MS"/>
+                <a:ea typeface="Trebuchet MS"/>
+                <a:cs typeface="Trebuchet MS"/>
+                <a:sym typeface="Trebuchet MS"/>
+              </a:rPr>
+              <a:t>Next Bhajan :   </a:t>
+            </a:r>
+            <a:r>
+              <a:rPr lang="en-US" sz="1100" kern="0" dirty="0" smtClean="0">
+                <a:solidFill>
+                  <a:srgbClr val="EFEFEF"/>
+                </a:solidFill>
+                <a:latin typeface="Trebuchet MS"/>
+                <a:ea typeface="Trebuchet MS"/>
+                <a:cs typeface="Trebuchet MS"/>
+                <a:sym typeface="Trebuchet MS"/>
+              </a:rPr>
+              <a:t>Next </a:t>
+            </a:r>
+            <a:r>
+              <a:rPr lang="en-US" sz="1100" kern="0" dirty="0" err="1" smtClean="0">
+                <a:solidFill>
+                  <a:srgbClr val="EFEFEF"/>
+                </a:solidFill>
+                <a:latin typeface="Trebuchet MS"/>
+                <a:ea typeface="Trebuchet MS"/>
+                <a:cs typeface="Trebuchet MS"/>
+                <a:sym typeface="Trebuchet MS"/>
+              </a:rPr>
+              <a:t>Bhajan</a:t>
+            </a:r>
+            <a:r>
+              <a:rPr lang="en" sz="1100" kern="0" dirty="0" smtClean="0">
+                <a:solidFill>
+                  <a:srgbClr val="EFEFEF"/>
+                </a:solidFill>
+                <a:latin typeface="Trebuchet MS"/>
+                <a:ea typeface="Trebuchet MS"/>
+                <a:cs typeface="Trebuchet MS"/>
+                <a:sym typeface="Trebuchet MS"/>
+              </a:rPr>
+              <a:t>                    </a:t>
+            </a:r>
+            <a:r>
+              <a:rPr lang="en-US" sz="1100" kern="0" dirty="0" smtClean="0">
+                <a:solidFill>
+                  <a:srgbClr val="EFEFEF"/>
+                </a:solidFill>
+                <a:latin typeface="Trebuchet MS"/>
+                <a:ea typeface="Trebuchet MS"/>
+                <a:cs typeface="Trebuchet MS"/>
+                <a:sym typeface="Trebuchet MS"/>
+              </a:rPr>
+              <a:t>Scale</a:t>
+            </a:r>
+            <a:endParaRPr sz="1100" kern="0" dirty="0">
+              <a:solidFill>
+                <a:srgbClr val="EFEFEF"/>
+              </a:solidFill>
+              <a:latin typeface="Trebuchet MS"/>
+              <a:ea typeface="Trebuchet MS"/>
+              <a:cs typeface="Trebuchet MS"/>
+              <a:sym typeface="Trebuchet MS"/>
+            </a:endParaRPr>
+          </a:p>
+        </p:txBody>
+      </p:sp>
     </p:spTree>
     <p:extLst>
       <p:ext uri="{BB962C8B-B14F-4D97-AF65-F5344CB8AC3E}">
-        <p14:creationId xmlns:p14="http://schemas.microsoft.com/office/powerpoint/2010/main" val="4104244893"/>
+        <p14:creationId xmlns:p14="http://schemas.microsoft.com/office/powerpoint/2010/main" val="3369625829"/>
       </p:ext>
     </p:extLst>
   </p:cSld>
@@ -5929,7 +6057,7 @@
 </file>
 
 <file path=ppt/theme/theme1.xml><?xml version="1.0" encoding="utf-8"?>
-<a:theme xmlns:a="http://schemas.openxmlformats.org/drawingml/2006/main" name="Simple Light">
+<a:theme xmlns:a="http://schemas.openxmlformats.org/drawingml/2006/main" name="1_Simple Light">
   <a:themeElements>
     <a:clrScheme name="Simple Light">
       <a:dk1>
@@ -6252,7 +6380,7 @@
     </a:clrScheme>
     <a:fontScheme name="Office">
       <a:majorFont>
-        <a:latin typeface="Calibri Light" panose="020F0302020204030204"/>
+        <a:latin typeface="Calibri Light"/>
         <a:ea typeface=""/>
         <a:cs typeface=""/>
         <a:font script="Jpan" typeface="游ゴシック Light"/>
@@ -6304,7 +6432,7 @@
         <a:font script="Tfng" typeface="Ebrima"/>
       </a:majorFont>
       <a:minorFont>
-        <a:latin typeface="Calibri" panose="020F0502020204030204"/>
+        <a:latin typeface="Calibri"/>
         <a:ea typeface=""/>
         <a:cs typeface=""/>
         <a:font script="Jpan" typeface="游ゴシック"/>
@@ -6498,7 +6626,7 @@
   <a:extraClrSchemeLst/>
   <a:extLst>
     <a:ext uri="{05A4C25C-085E-4340-85A3-A5531E510DB2}">
-      <thm15:themeFamily xmlns:thm15="http://schemas.microsoft.com/office/thememl/2012/main" name="Office Theme" id="{62F939B6-93AF-4DB8-9C6B-D6C7DFDC589F}" vid="{4A3C46E8-61CC-4603-A589-7422A47A8E4A}"/>
+      <thm15:themeFamily xmlns:thm15="http://schemas.microsoft.com/office/thememl/2012/main" xmlns="" name="Office Theme" id="{62F939B6-93AF-4DB8-9C6B-D6C7DFDC589F}" vid="{4A3C46E8-61CC-4603-A589-7422A47A8E4A}"/>
     </a:ext>
   </a:extLst>
 </a:theme>

--- a/WebContent/WEB-INF/templates/Shivaratri2019/master.pptx
+++ b/WebContent/WEB-INF/templates/Shivaratri2019/master.pptx
@@ -109,7 +109,7 @@
   </p:defaultTextStyle>
   <p:extLst>
     <p:ext uri="{EFAFB233-063F-42B5-8137-9DF3F51BA10A}">
-      <p15:sldGuideLst xmlns:p15="http://schemas.microsoft.com/office/powerpoint/2012/main" xmlns=""/>
+      <p15:sldGuideLst xmlns="" xmlns:p15="http://schemas.microsoft.com/office/powerpoint/2012/main"/>
     </p:ext>
   </p:extLst>
 </p:presentation>
@@ -5503,7 +5503,7 @@
             <a:r>
               <a:rPr lang="en-US" sz="3600" b="1" kern="0" dirty="0" err="1" smtClean="0">
                 <a:solidFill>
-                  <a:srgbClr val="FFFFFF"/>
+                  <a:schemeClr val="bg1"/>
                 </a:solidFill>
                 <a:latin typeface="Calibri"/>
                 <a:ea typeface="Calibri"/>
@@ -5514,7 +5514,7 @@
             </a:r>
             <a:endParaRPr sz="3600" b="1" kern="0" dirty="0">
               <a:solidFill>
-                <a:srgbClr val="FFFFFF"/>
+                <a:schemeClr val="bg1"/>
               </a:solidFill>
               <a:latin typeface="Calibri"/>
               <a:ea typeface="Calibri"/>
@@ -5693,111 +5693,6 @@
           </a:effectLst>
         </p:spPr>
       </p:pic>
-      <p:grpSp>
-        <p:nvGrpSpPr>
-          <p:cNvPr id="2" name="Group 1"/>
-          <p:cNvGrpSpPr/>
-          <p:nvPr/>
-        </p:nvGrpSpPr>
-        <p:grpSpPr>
-          <a:xfrm>
-            <a:off x="7338800" y="73628"/>
-            <a:ext cx="1689725" cy="1719149"/>
-            <a:chOff x="7795975" y="127100"/>
-            <a:chExt cx="1232550" cy="1603169"/>
-          </a:xfrm>
-        </p:grpSpPr>
-        <p:sp>
-          <p:nvSpPr>
-            <p:cNvPr id="60" name="Google Shape;60;p13"/>
-            <p:cNvSpPr/>
-            <p:nvPr/>
-          </p:nvSpPr>
-          <p:spPr>
-            <a:xfrm>
-              <a:off x="7795975" y="1355702"/>
-              <a:ext cx="1232550" cy="374567"/>
-            </a:xfrm>
-            <a:prstGeom prst="flowChartMagneticDisk">
-              <a:avLst/>
-            </a:prstGeom>
-            <a:gradFill>
-              <a:gsLst>
-                <a:gs pos="0">
-                  <a:srgbClr val="A4C2F4"/>
-                </a:gs>
-                <a:gs pos="100000">
-                  <a:srgbClr val="FAD25C"/>
-                </a:gs>
-              </a:gsLst>
-              <a:lin ang="5400012" scaled="0"/>
-            </a:gradFill>
-            <a:ln w="9525" cap="flat" cmpd="sng">
-              <a:solidFill>
-                <a:srgbClr val="FF9900"/>
-              </a:solidFill>
-              <a:prstDash val="solid"/>
-              <a:round/>
-              <a:headEnd type="none" w="sm" len="sm"/>
-              <a:tailEnd type="none" w="sm" len="sm"/>
-            </a:ln>
-          </p:spPr>
-          <p:txBody>
-            <a:bodyPr spcFirstLastPara="1" wrap="square" lIns="91425" tIns="91425" rIns="91425" bIns="91425" anchor="ctr" anchorCtr="0">
-              <a:noAutofit/>
-            </a:bodyPr>
-            <a:lstStyle/>
-            <a:p>
-              <a:pPr>
-                <a:buClr>
-                  <a:srgbClr val="000000"/>
-                </a:buClr>
-                <a:buFont typeface="Arial"/>
-                <a:buNone/>
-              </a:pPr>
-              <a:endParaRPr sz="1400" kern="0">
-                <a:solidFill>
-                  <a:srgbClr val="000000"/>
-                </a:solidFill>
-                <a:latin typeface="Arial"/>
-                <a:ea typeface="Arial"/>
-                <a:cs typeface="Arial"/>
-                <a:sym typeface="Arial"/>
-              </a:endParaRPr>
-            </a:p>
-          </p:txBody>
-        </p:sp>
-        <p:pic>
-          <p:nvPicPr>
-            <p:cNvPr id="61" name="Google Shape;61;p13"/>
-            <p:cNvPicPr preferRelativeResize="0"/>
-            <p:nvPr/>
-          </p:nvPicPr>
-          <p:blipFill rotWithShape="1">
-            <a:blip r:embed="rId4">
-              <a:alphaModFix/>
-            </a:blip>
-            <a:srcRect t="1739" r="8020" b="19538"/>
-            <a:stretch/>
-          </p:blipFill>
-          <p:spPr>
-            <a:xfrm>
-              <a:off x="7970550" y="127100"/>
-              <a:ext cx="940500" cy="1322800"/>
-            </a:xfrm>
-            <a:prstGeom prst="round2SameRect">
-              <a:avLst>
-                <a:gd name="adj1" fmla="val 16667"/>
-                <a:gd name="adj2" fmla="val 0"/>
-              </a:avLst>
-            </a:prstGeom>
-            <a:noFill/>
-            <a:ln>
-              <a:noFill/>
-            </a:ln>
-          </p:spPr>
-        </p:pic>
-      </p:grpSp>
       <p:sp>
         <p:nvSpPr>
           <p:cNvPr id="62" name="Google Shape;62;p13"/>
@@ -6043,6 +5938,30 @@
           </a:p>
         </p:txBody>
       </p:sp>
+      <p:pic>
+        <p:nvPicPr>
+          <p:cNvPr id="4" name="Picture 3"/>
+          <p:cNvPicPr>
+            <a:picLocks noChangeAspect="1"/>
+          </p:cNvPicPr>
+          <p:nvPr/>
+        </p:nvPicPr>
+        <p:blipFill>
+          <a:blip r:embed="rId4"/>
+          <a:stretch>
+            <a:fillRect/>
+          </a:stretch>
+        </p:blipFill>
+        <p:spPr>
+          <a:xfrm>
+            <a:off x="6807200" y="0"/>
+            <a:ext cx="2336800" cy="2057400"/>
+          </a:xfrm>
+          <a:prstGeom prst="rect">
+            <a:avLst/>
+          </a:prstGeom>
+        </p:spPr>
+      </p:pic>
     </p:spTree>
     <p:extLst>
       <p:ext uri="{BB962C8B-B14F-4D97-AF65-F5344CB8AC3E}">
@@ -6626,7 +6545,7 @@
   <a:extraClrSchemeLst/>
   <a:extLst>
     <a:ext uri="{05A4C25C-085E-4340-85A3-A5531E510DB2}">
-      <thm15:themeFamily xmlns:thm15="http://schemas.microsoft.com/office/thememl/2012/main" xmlns="" name="Office Theme" id="{62F939B6-93AF-4DB8-9C6B-D6C7DFDC589F}" vid="{4A3C46E8-61CC-4603-A589-7422A47A8E4A}"/>
+      <thm15:themeFamily xmlns="" xmlns:thm15="http://schemas.microsoft.com/office/thememl/2012/main" name="Office Theme" id="{62F939B6-93AF-4DB8-9C6B-D6C7DFDC589F}" vid="{4A3C46E8-61CC-4603-A589-7422A47A8E4A}"/>
     </a:ext>
   </a:extLst>
 </a:theme>

--- a/WebContent/WEB-INF/templates/Shivaratri2019/master.pptx
+++ b/WebContent/WEB-INF/templates/Shivaratri2019/master.pptx
@@ -5659,40 +5659,6 @@
           </a:p>
         </p:txBody>
       </p:sp>
-      <p:pic>
-        <p:nvPicPr>
-          <p:cNvPr id="59" name="Google Shape;59;p13" descr="Sarva Dharma Logo"/>
-          <p:cNvPicPr preferRelativeResize="0"/>
-          <p:nvPr/>
-        </p:nvPicPr>
-        <p:blipFill rotWithShape="1">
-          <a:blip r:embed="rId3">
-            <a:alphaModFix/>
-          </a:blip>
-          <a:srcRect/>
-          <a:stretch/>
-        </p:blipFill>
-        <p:spPr>
-          <a:xfrm>
-            <a:off x="107703" y="127100"/>
-            <a:ext cx="1697034" cy="1719149"/>
-          </a:xfrm>
-          <a:prstGeom prst="rect">
-            <a:avLst/>
-          </a:prstGeom>
-          <a:noFill/>
-          <a:ln>
-            <a:noFill/>
-          </a:ln>
-          <a:effectLst>
-            <a:outerShdw blurRad="342900" dist="76200" dir="300000" algn="bl" rotWithShape="0">
-              <a:srgbClr val="FF9900">
-                <a:alpha val="74900"/>
-              </a:srgbClr>
-            </a:outerShdw>
-          </a:effectLst>
-        </p:spPr>
-      </p:pic>
       <p:sp>
         <p:nvSpPr>
           <p:cNvPr id="62" name="Google Shape;62;p13"/>
@@ -5947,7 +5913,7 @@
           <p:nvPr/>
         </p:nvPicPr>
         <p:blipFill>
-          <a:blip r:embed="rId4"/>
+          <a:blip r:embed="rId3"/>
           <a:stretch>
             <a:fillRect/>
           </a:stretch>
@@ -5960,6 +5926,40 @@
           <a:prstGeom prst="rect">
             <a:avLst/>
           </a:prstGeom>
+        </p:spPr>
+      </p:pic>
+      <p:pic>
+        <p:nvPicPr>
+          <p:cNvPr id="16" name="Google Shape;59;p13" descr="Sarva Dharma Logo"/>
+          <p:cNvPicPr preferRelativeResize="0"/>
+          <p:nvPr/>
+        </p:nvPicPr>
+        <p:blipFill rotWithShape="1">
+          <a:blip r:embed="rId4">
+            <a:alphaModFix/>
+          </a:blip>
+          <a:srcRect/>
+          <a:stretch/>
+        </p:blipFill>
+        <p:spPr>
+          <a:xfrm>
+            <a:off x="107703" y="127100"/>
+            <a:ext cx="1697034" cy="1719149"/>
+          </a:xfrm>
+          <a:prstGeom prst="rect">
+            <a:avLst/>
+          </a:prstGeom>
+          <a:noFill/>
+          <a:ln>
+            <a:noFill/>
+          </a:ln>
+          <a:effectLst>
+            <a:outerShdw blurRad="342900" dist="76200" dir="300000" algn="bl" rotWithShape="0">
+              <a:srgbClr val="FF9900">
+                <a:alpha val="74900"/>
+              </a:srgbClr>
+            </a:outerShdw>
+          </a:effectLst>
         </p:spPr>
       </p:pic>
     </p:spTree>

--- a/WebContent/WEB-INF/templates/Shivaratri2019/master.pptx
+++ b/WebContent/WEB-INF/templates/Shivaratri2019/master.pptx
@@ -4112,7 +4112,7 @@
     <p:bg>
       <p:bgPr>
         <a:solidFill>
-          <a:schemeClr val="lt1"/>
+          <a:schemeClr val="tx1"/>
         </a:solidFill>
         <a:effectLst/>
       </p:bgPr>
@@ -5423,54 +5423,7 @@
       </p:grpSpPr>
       <p:sp>
         <p:nvSpPr>
-          <p:cNvPr id="54" name="Google Shape;54;p13"/>
-          <p:cNvSpPr/>
-          <p:nvPr/>
-        </p:nvSpPr>
-        <p:spPr>
-          <a:xfrm>
-            <a:off x="0" y="0"/>
-            <a:ext cx="9144000" cy="6858000"/>
-          </a:xfrm>
-          <a:prstGeom prst="rect">
-            <a:avLst/>
-          </a:prstGeom>
-          <a:solidFill>
-            <a:schemeClr val="dk1"/>
-          </a:solidFill>
-          <a:ln>
-            <a:noFill/>
-          </a:ln>
-        </p:spPr>
-        <p:txBody>
-          <a:bodyPr spcFirstLastPara="1" wrap="square" lIns="91425" tIns="45700" rIns="91425" bIns="45700" anchor="ctr" anchorCtr="0">
-            <a:noAutofit/>
-          </a:bodyPr>
-          <a:lstStyle/>
-          <a:p>
-            <a:pPr algn="ctr">
-              <a:buClr>
-                <a:srgbClr val="000000"/>
-              </a:buClr>
-              <a:buSzPts val="1800"/>
-              <a:buFont typeface="Arial"/>
-              <a:buNone/>
-            </a:pPr>
-            <a:endParaRPr kern="0">
-              <a:solidFill>
-                <a:srgbClr val="FFFFFF"/>
-              </a:solidFill>
-              <a:latin typeface="Calibri"/>
-              <a:ea typeface="Calibri"/>
-              <a:cs typeface="Calibri"/>
-              <a:sym typeface="Calibri"/>
-            </a:endParaRPr>
-          </a:p>
-        </p:txBody>
-      </p:sp>
-      <p:sp>
-        <p:nvSpPr>
-          <p:cNvPr id="55" name="Google Shape;55;p13"/>
+          <p:cNvPr id="17" name="Google Shape;55;p13"/>
           <p:cNvSpPr txBox="1"/>
           <p:nvPr/>
         </p:nvSpPr>
@@ -5526,142 +5479,7 @@
       </p:sp>
       <p:sp>
         <p:nvSpPr>
-          <p:cNvPr id="56" name="Google Shape;56;p13"/>
-          <p:cNvSpPr txBox="1"/>
-          <p:nvPr/>
-        </p:nvSpPr>
-        <p:spPr>
-          <a:xfrm>
-            <a:off x="2880272" y="1175100"/>
-            <a:ext cx="3423900" cy="356800"/>
-          </a:xfrm>
-          <a:prstGeom prst="rect">
-            <a:avLst/>
-          </a:prstGeom>
-          <a:noFill/>
-          <a:ln>
-            <a:noFill/>
-          </a:ln>
-        </p:spPr>
-        <p:txBody>
-          <a:bodyPr spcFirstLastPara="1" wrap="square" lIns="91425" tIns="91425" rIns="91425" bIns="91425" anchor="t" anchorCtr="0">
-            <a:noAutofit/>
-          </a:bodyPr>
-          <a:lstStyle/>
-          <a:p>
-            <a:pPr algn="ctr">
-              <a:buClr>
-                <a:srgbClr val="000000"/>
-              </a:buClr>
-              <a:buSzPts val="1400"/>
-              <a:buFont typeface="Arial"/>
-              <a:buNone/>
-            </a:pPr>
-            <a:endParaRPr sz="2400" b="1" i="1" kern="0">
-              <a:solidFill>
-                <a:srgbClr val="FFFFFF"/>
-              </a:solidFill>
-              <a:latin typeface="Trebuchet MS"/>
-              <a:ea typeface="Trebuchet MS"/>
-              <a:cs typeface="Trebuchet MS"/>
-              <a:sym typeface="Trebuchet MS"/>
-            </a:endParaRPr>
-          </a:p>
-        </p:txBody>
-      </p:sp>
-      <p:sp>
-        <p:nvSpPr>
-          <p:cNvPr id="57" name="Google Shape;57;p13"/>
-          <p:cNvSpPr/>
-          <p:nvPr/>
-        </p:nvSpPr>
-        <p:spPr>
-          <a:xfrm>
-            <a:off x="7219950" y="6490743"/>
-            <a:ext cx="1854300" cy="315200"/>
-          </a:xfrm>
-          <a:prstGeom prst="rect">
-            <a:avLst/>
-          </a:prstGeom>
-          <a:noFill/>
-          <a:ln>
-            <a:noFill/>
-          </a:ln>
-        </p:spPr>
-        <p:txBody>
-          <a:bodyPr spcFirstLastPara="1" wrap="square" lIns="91425" tIns="45700" rIns="91425" bIns="45700" anchor="t" anchorCtr="0">
-            <a:noAutofit/>
-          </a:bodyPr>
-          <a:lstStyle/>
-          <a:p>
-            <a:pPr>
-              <a:buClr>
-                <a:srgbClr val="000000"/>
-              </a:buClr>
-              <a:buSzPts val="1800"/>
-              <a:buFont typeface="Arial"/>
-              <a:buNone/>
-            </a:pPr>
-            <a:endParaRPr kern="0">
-              <a:solidFill>
-                <a:srgbClr val="595959"/>
-              </a:solidFill>
-              <a:latin typeface="Trebuchet MS"/>
-              <a:ea typeface="Trebuchet MS"/>
-              <a:cs typeface="Trebuchet MS"/>
-              <a:sym typeface="Trebuchet MS"/>
-            </a:endParaRPr>
-          </a:p>
-        </p:txBody>
-      </p:sp>
-      <p:sp>
-        <p:nvSpPr>
-          <p:cNvPr id="58" name="Google Shape;58;p13"/>
-          <p:cNvSpPr/>
-          <p:nvPr/>
-        </p:nvSpPr>
-        <p:spPr>
-          <a:xfrm>
-            <a:off x="530412" y="6497151"/>
-            <a:ext cx="776700" cy="315200"/>
-          </a:xfrm>
-          <a:prstGeom prst="rect">
-            <a:avLst/>
-          </a:prstGeom>
-          <a:noFill/>
-          <a:ln>
-            <a:noFill/>
-          </a:ln>
-        </p:spPr>
-        <p:txBody>
-          <a:bodyPr spcFirstLastPara="1" wrap="square" lIns="91425" tIns="45700" rIns="91425" bIns="45700" anchor="t" anchorCtr="0">
-            <a:noAutofit/>
-          </a:bodyPr>
-          <a:lstStyle/>
-          <a:p>
-            <a:pPr algn="ctr">
-              <a:buClr>
-                <a:srgbClr val="000000"/>
-              </a:buClr>
-              <a:buSzPts val="1800"/>
-              <a:buFont typeface="Arial"/>
-              <a:buNone/>
-            </a:pPr>
-            <a:endParaRPr kern="0">
-              <a:solidFill>
-                <a:srgbClr val="5B5B5B"/>
-              </a:solidFill>
-              <a:latin typeface="Trebuchet MS"/>
-              <a:ea typeface="Trebuchet MS"/>
-              <a:cs typeface="Trebuchet MS"/>
-              <a:sym typeface="Trebuchet MS"/>
-            </a:endParaRPr>
-          </a:p>
-        </p:txBody>
-      </p:sp>
-      <p:sp>
-        <p:nvSpPr>
-          <p:cNvPr id="62" name="Google Shape;62;p13"/>
+          <p:cNvPr id="18" name="Google Shape;62;p13"/>
           <p:cNvSpPr/>
           <p:nvPr/>
         </p:nvSpPr>
@@ -5673,6 +5491,7 @@
           <a:prstGeom prst="rect">
             <a:avLst/>
           </a:prstGeom>
+          <a:noFill/>
         </p:spPr>
         <p:txBody>
           <a:bodyPr>
@@ -5690,7 +5509,7 @@
               <a:buNone/>
             </a:pPr>
             <a:r>
-              <a:rPr sz="1400" b="1" i="1" kern="0">
+              <a:rPr sz="1400" b="1" i="1" kern="0" dirty="0">
                 <a:ln w="9525" cap="flat" cmpd="sng">
                   <a:solidFill>
                     <a:srgbClr val="999999"/>
@@ -5700,20 +5519,9 @@
                   <a:headEnd type="none" w="sm" len="sm"/>
                   <a:tailEnd type="none" w="sm" len="sm"/>
                 </a:ln>
-                <a:gradFill>
-                  <a:gsLst>
-                    <a:gs pos="0">
-                      <a:srgbClr val="FFFFFF"/>
-                    </a:gs>
-                    <a:gs pos="100000">
-                      <a:srgbClr val="B3B3B3"/>
-                    </a:gs>
-                  </a:gsLst>
-                  <a:path path="circle">
-                    <a:fillToRect l="50000" t="50000" r="50000" b="50000"/>
-                  </a:path>
-                  <a:tileRect/>
-                </a:gradFill>
+                <a:solidFill>
+                  <a:srgbClr val="FFFFFF"/>
+                </a:solidFill>
                 <a:latin typeface="Droid Serif"/>
                 <a:ea typeface="Arial"/>
                 <a:cs typeface="Arial"/>
@@ -5726,7 +5534,7 @@
       </p:sp>
       <p:sp>
         <p:nvSpPr>
-          <p:cNvPr id="63" name="Google Shape;63;p13"/>
+          <p:cNvPr id="19" name="Google Shape;63;p13"/>
           <p:cNvSpPr txBox="1"/>
           <p:nvPr/>
         </p:nvSpPr>
@@ -5802,7 +5610,7 @@
       </p:sp>
       <p:sp>
         <p:nvSpPr>
-          <p:cNvPr id="64" name="Google Shape;64;p13"/>
+          <p:cNvPr id="20" name="Google Shape;64;p13"/>
           <p:cNvSpPr/>
           <p:nvPr/>
         </p:nvSpPr>
@@ -5906,7 +5714,7 @@
       </p:sp>
       <p:pic>
         <p:nvPicPr>
-          <p:cNvPr id="4" name="Picture 3"/>
+          <p:cNvPr id="21" name="Picture 20"/>
           <p:cNvPicPr>
             <a:picLocks noChangeAspect="1"/>
           </p:cNvPicPr>
@@ -5930,7 +5738,7 @@
       </p:pic>
       <p:pic>
         <p:nvPicPr>
-          <p:cNvPr id="16" name="Google Shape;59;p13" descr="Sarva Dharma Logo"/>
+          <p:cNvPr id="22" name="Google Shape;59;p13" descr="Sarva Dharma Logo"/>
           <p:cNvPicPr preferRelativeResize="0"/>
           <p:nvPr/>
         </p:nvPicPr>

--- a/WebContent/WEB-INF/templates/Shivaratri2019/master.pptx
+++ b/WebContent/WEB-INF/templates/Shivaratri2019/master.pptx
@@ -109,7 +109,7 @@
   </p:defaultTextStyle>
   <p:extLst>
     <p:ext uri="{EFAFB233-063F-42B5-8137-9DF3F51BA10A}">
-      <p15:sldGuideLst xmlns="" xmlns:p15="http://schemas.microsoft.com/office/powerpoint/2012/main"/>
+      <p15:sldGuideLst xmlns:p15="http://schemas.microsoft.com/office/powerpoint/2012/main" xmlns=""/>
     </p:ext>
   </p:extLst>
 </p:presentation>
@@ -5407,6 +5407,14 @@
 <file path=ppt/slides/slide1.xml><?xml version="1.0" encoding="utf-8"?>
 <p:sld xmlns:a="http://schemas.openxmlformats.org/drawingml/2006/main" xmlns:r="http://schemas.openxmlformats.org/officeDocument/2006/relationships" xmlns:p="http://schemas.openxmlformats.org/presentationml/2006/main">
   <p:cSld>
+    <p:bg>
+      <p:bgPr>
+        <a:solidFill>
+          <a:schemeClr val="tx1"/>
+        </a:solidFill>
+        <a:effectLst/>
+      </p:bgPr>
+    </p:bg>
     <p:spTree>
       <p:nvGrpSpPr>
         <p:cNvPr id="1" name="Shape 53"/>
@@ -5429,8 +5437,8 @@
         </p:nvSpPr>
         <p:spPr>
           <a:xfrm>
-            <a:off x="948850" y="1905933"/>
-            <a:ext cx="7719900" cy="3404800"/>
+            <a:off x="107703" y="1364599"/>
+            <a:ext cx="8920822" cy="3946134"/>
           </a:xfrm>
           <a:prstGeom prst="rect">
             <a:avLst/>
@@ -5540,8 +5548,8 @@
         </p:nvSpPr>
         <p:spPr>
           <a:xfrm>
-            <a:off x="340225" y="4980331"/>
-            <a:ext cx="8688300" cy="923600"/>
+            <a:off x="107703" y="5434677"/>
+            <a:ext cx="8920822" cy="923600"/>
           </a:xfrm>
           <a:prstGeom prst="rect">
             <a:avLst/>
@@ -5566,7 +5574,7 @@
               <a:buNone/>
             </a:pPr>
             <a:r>
-              <a:rPr lang="en-US" sz="1100" i="1" kern="0" dirty="0" smtClean="0">
+              <a:rPr lang="en-US" sz="1200" i="1" kern="0" dirty="0" smtClean="0">
                 <a:solidFill>
                   <a:srgbClr val="F6B26B"/>
                 </a:solidFill>
@@ -5577,7 +5585,7 @@
               </a:rPr>
               <a:t>Meaning</a:t>
             </a:r>
-            <a:endParaRPr sz="1100" i="1" kern="0" dirty="0">
+            <a:endParaRPr sz="1200" i="1" kern="0" dirty="0">
               <a:solidFill>
                 <a:srgbClr val="F6B26B"/>
               </a:solidFill>
@@ -5616,8 +5624,8 @@
         </p:nvSpPr>
         <p:spPr>
           <a:xfrm>
-            <a:off x="2931800" y="5987133"/>
-            <a:ext cx="4407000" cy="420400"/>
+            <a:off x="107703" y="6366773"/>
+            <a:ext cx="1162342" cy="420400"/>
           </a:xfrm>
           <a:prstGeom prst="rect">
             <a:avLst/>
@@ -5650,7 +5658,19 @@
                 <a:cs typeface="Trebuchet MS"/>
                 <a:sym typeface="Trebuchet MS"/>
               </a:rPr>
-              <a:t>Next Bhajan :   </a:t>
+              <a:t>Next </a:t>
+            </a:r>
+            <a:r>
+              <a:rPr lang="en" sz="1100" kern="0" dirty="0" smtClean="0">
+                <a:solidFill>
+                  <a:srgbClr val="EFEFEF"/>
+                </a:solidFill>
+                <a:latin typeface="Trebuchet MS"/>
+                <a:ea typeface="Trebuchet MS"/>
+                <a:cs typeface="Trebuchet MS"/>
+                <a:sym typeface="Trebuchet MS"/>
+              </a:rPr>
+              <a:t>Bhajan</a:t>
             </a:r>
             <a:r>
               <a:rPr lang="en-US" sz="1100" kern="0" dirty="0" smtClean="0">
@@ -5662,43 +5682,7 @@
                 <a:cs typeface="Trebuchet MS"/>
                 <a:sym typeface="Trebuchet MS"/>
               </a:rPr>
-              <a:t>Next </a:t>
-            </a:r>
-            <a:r>
-              <a:rPr lang="en-US" sz="1100" kern="0" dirty="0" err="1" smtClean="0">
-                <a:solidFill>
-                  <a:srgbClr val="EFEFEF"/>
-                </a:solidFill>
-                <a:latin typeface="Trebuchet MS"/>
-                <a:ea typeface="Trebuchet MS"/>
-                <a:cs typeface="Trebuchet MS"/>
-                <a:sym typeface="Trebuchet MS"/>
-              </a:rPr>
-              <a:t>Bhajan</a:t>
-            </a:r>
-            <a:r>
-              <a:rPr lang="en" sz="1100" kern="0" dirty="0" smtClean="0">
-                <a:solidFill>
-                  <a:srgbClr val="EFEFEF"/>
-                </a:solidFill>
-                <a:latin typeface="Trebuchet MS"/>
-                <a:ea typeface="Trebuchet MS"/>
-                <a:cs typeface="Trebuchet MS"/>
-                <a:sym typeface="Trebuchet MS"/>
-              </a:rPr>
-              <a:t>                    </a:t>
-            </a:r>
-            <a:r>
-              <a:rPr lang="en-US" sz="1100" kern="0" dirty="0" smtClean="0">
-                <a:solidFill>
-                  <a:srgbClr val="EFEFEF"/>
-                </a:solidFill>
-                <a:latin typeface="Trebuchet MS"/>
-                <a:ea typeface="Trebuchet MS"/>
-                <a:cs typeface="Trebuchet MS"/>
-                <a:sym typeface="Trebuchet MS"/>
-              </a:rPr>
-              <a:t>Scale</a:t>
+              <a:t>							</a:t>
             </a:r>
             <a:endParaRPr sz="1100" kern="0" dirty="0">
               <a:solidFill>
@@ -5728,8 +5712,8 @@
         </p:blipFill>
         <p:spPr>
           <a:xfrm>
-            <a:off x="6807200" y="0"/>
-            <a:ext cx="2336800" cy="2057400"/>
+            <a:off x="7594086" y="1"/>
+            <a:ext cx="1549914" cy="1364598"/>
           </a:xfrm>
           <a:prstGeom prst="rect">
             <a:avLst/>
@@ -5752,7 +5736,7 @@
         <p:spPr>
           <a:xfrm>
             <a:off x="107703" y="127100"/>
-            <a:ext cx="1697034" cy="1719149"/>
+            <a:ext cx="1162342" cy="1234679"/>
           </a:xfrm>
           <a:prstGeom prst="rect">
             <a:avLst/>
@@ -5770,6 +5754,142 @@
           </a:effectLst>
         </p:spPr>
       </p:pic>
+      <p:sp>
+        <p:nvSpPr>
+          <p:cNvPr id="8" name="Google Shape;64;p13"/>
+          <p:cNvSpPr/>
+          <p:nvPr/>
+        </p:nvSpPr>
+        <p:spPr>
+          <a:xfrm>
+            <a:off x="7708461" y="6356621"/>
+            <a:ext cx="1383166" cy="420400"/>
+          </a:xfrm>
+          <a:prstGeom prst="rect">
+            <a:avLst/>
+          </a:prstGeom>
+          <a:noFill/>
+          <a:ln>
+            <a:noFill/>
+          </a:ln>
+        </p:spPr>
+        <p:txBody>
+          <a:bodyPr spcFirstLastPara="1" wrap="square" lIns="91425" tIns="45700" rIns="91425" bIns="45700" anchor="t" anchorCtr="0">
+            <a:noAutofit/>
+          </a:bodyPr>
+          <a:lstStyle/>
+          <a:p>
+            <a:pPr>
+              <a:buClr>
+                <a:srgbClr val="000000"/>
+              </a:buClr>
+              <a:buFont typeface="Arial"/>
+              <a:buNone/>
+            </a:pPr>
+            <a:r>
+              <a:rPr lang="en-US" sz="1100" kern="0" dirty="0" smtClean="0">
+                <a:solidFill>
+                  <a:srgbClr val="EFEFEF"/>
+                </a:solidFill>
+                <a:latin typeface="Trebuchet MS"/>
+                <a:ea typeface="Trebuchet MS"/>
+                <a:cs typeface="Trebuchet MS"/>
+                <a:sym typeface="Trebuchet MS"/>
+              </a:rPr>
+              <a:t>Scale</a:t>
+            </a:r>
+            <a:endParaRPr sz="1100" kern="0" dirty="0">
+              <a:solidFill>
+                <a:srgbClr val="EFEFEF"/>
+              </a:solidFill>
+              <a:latin typeface="Trebuchet MS"/>
+              <a:ea typeface="Trebuchet MS"/>
+              <a:cs typeface="Trebuchet MS"/>
+              <a:sym typeface="Trebuchet MS"/>
+            </a:endParaRPr>
+          </a:p>
+        </p:txBody>
+      </p:sp>
+      <p:sp>
+        <p:nvSpPr>
+          <p:cNvPr id="9" name="Google Shape;64;p13"/>
+          <p:cNvSpPr/>
+          <p:nvPr/>
+        </p:nvSpPr>
+        <p:spPr>
+          <a:xfrm>
+            <a:off x="1270045" y="6368059"/>
+            <a:ext cx="6438416" cy="369680"/>
+          </a:xfrm>
+          <a:prstGeom prst="rect">
+            <a:avLst/>
+          </a:prstGeom>
+          <a:noFill/>
+          <a:ln>
+            <a:noFill/>
+          </a:ln>
+        </p:spPr>
+        <p:txBody>
+          <a:bodyPr spcFirstLastPara="1" wrap="square" lIns="91425" tIns="45700" rIns="91425" bIns="45700" anchor="t" anchorCtr="0">
+            <a:noAutofit/>
+          </a:bodyPr>
+          <a:lstStyle/>
+          <a:p>
+            <a:pPr>
+              <a:buClr>
+                <a:srgbClr val="000000"/>
+              </a:buClr>
+              <a:buFont typeface="Arial"/>
+              <a:buNone/>
+            </a:pPr>
+            <a:r>
+              <a:rPr lang="en-US" sz="1100" kern="0" dirty="0" err="1" smtClean="0">
+                <a:solidFill>
+                  <a:srgbClr val="EFEFEF"/>
+                </a:solidFill>
+                <a:latin typeface="Trebuchet MS"/>
+                <a:ea typeface="Trebuchet MS"/>
+                <a:cs typeface="Trebuchet MS"/>
+                <a:sym typeface="Trebuchet MS"/>
+              </a:rPr>
+              <a:t>NextBhajan</a:t>
+            </a:r>
+            <a:r>
+              <a:rPr lang="en" sz="1100" kern="0" dirty="0" smtClean="0">
+                <a:solidFill>
+                  <a:srgbClr val="EFEFEF"/>
+                </a:solidFill>
+                <a:latin typeface="Trebuchet MS"/>
+                <a:ea typeface="Trebuchet MS"/>
+                <a:cs typeface="Trebuchet MS"/>
+                <a:sym typeface="Trebuchet MS"/>
+              </a:rPr>
+              <a:t>                    </a:t>
+            </a:r>
+            <a:r>
+              <a:rPr lang="en-US" sz="1100" kern="0" dirty="0" smtClean="0">
+                <a:solidFill>
+                  <a:srgbClr val="EFEFEF"/>
+                </a:solidFill>
+                <a:latin typeface="Trebuchet MS"/>
+                <a:ea typeface="Trebuchet MS"/>
+                <a:cs typeface="Trebuchet MS"/>
+                <a:sym typeface="Trebuchet MS"/>
+              </a:rPr>
+              <a:t>							</a:t>
+            </a:r>
+            <a:endParaRPr sz="1100" kern="0" dirty="0">
+              <a:solidFill>
+                <a:srgbClr val="EFEFEF"/>
+              </a:solidFill>
+              <a:latin typeface="Trebuchet MS"/>
+              <a:ea typeface="Trebuchet MS"/>
+              <a:cs typeface="Trebuchet MS"/>
+              <a:sym typeface="Trebuchet MS"/>
+            </a:endParaRPr>
+          </a:p>
+        </p:txBody>
+      </p:sp>
     </p:spTree>
     <p:extLst>
       <p:ext uri="{BB962C8B-B14F-4D97-AF65-F5344CB8AC3E}">
@@ -6353,7 +6473,7 @@
   <a:extraClrSchemeLst/>
   <a:extLst>
     <a:ext uri="{05A4C25C-085E-4340-85A3-A5531E510DB2}">
-      <thm15:themeFamily xmlns="" xmlns:thm15="http://schemas.microsoft.com/office/thememl/2012/main" name="Office Theme" id="{62F939B6-93AF-4DB8-9C6B-D6C7DFDC589F}" vid="{4A3C46E8-61CC-4603-A589-7422A47A8E4A}"/>
+      <thm15:themeFamily xmlns:thm15="http://schemas.microsoft.com/office/thememl/2012/main" xmlns="" name="Office Theme" id="{62F939B6-93AF-4DB8-9C6B-D6C7DFDC589F}" vid="{4A3C46E8-61CC-4603-A589-7422A47A8E4A}"/>
     </a:ext>
   </a:extLst>
 </a:theme>

--- a/WebContent/WEB-INF/templates/Shivaratri2019/master.pptx
+++ b/WebContent/WEB-INF/templates/Shivaratri2019/master.pptx
@@ -109,7 +109,7 @@
   </p:defaultTextStyle>
   <p:extLst>
     <p:ext uri="{EFAFB233-063F-42B5-8137-9DF3F51BA10A}">
-      <p15:sldGuideLst xmlns:p15="http://schemas.microsoft.com/office/powerpoint/2012/main" xmlns=""/>
+      <p15:sldGuideLst xmlns="" xmlns:p15="http://schemas.microsoft.com/office/powerpoint/2012/main"/>
     </p:ext>
   </p:extLst>
 </p:presentation>
@@ -5410,7 +5410,7 @@
     <p:bg>
       <p:bgPr>
         <a:solidFill>
-          <a:schemeClr val="tx1"/>
+          <a:schemeClr val="bg1"/>
         </a:solidFill>
         <a:effectLst/>
       </p:bgPr>
@@ -5429,6 +5429,49 @@
           <a:chExt cx="0" cy="0"/>
         </a:xfrm>
       </p:grpSpPr>
+      <p:sp>
+        <p:nvSpPr>
+          <p:cNvPr id="2" name="Rectangle 1"/>
+          <p:cNvSpPr/>
+          <p:nvPr/>
+        </p:nvSpPr>
+        <p:spPr>
+          <a:xfrm>
+            <a:off x="0" y="1"/>
+            <a:ext cx="9144000" cy="6857999"/>
+          </a:xfrm>
+          <a:prstGeom prst="rect">
+            <a:avLst/>
+          </a:prstGeom>
+          <a:solidFill>
+            <a:schemeClr val="tx1"/>
+          </a:solidFill>
+        </p:spPr>
+        <p:style>
+          <a:lnRef idx="2">
+            <a:schemeClr val="dk1">
+              <a:shade val="50000"/>
+            </a:schemeClr>
+          </a:lnRef>
+          <a:fillRef idx="1">
+            <a:schemeClr val="dk1"/>
+          </a:fillRef>
+          <a:effectRef idx="0">
+            <a:schemeClr val="dk1"/>
+          </a:effectRef>
+          <a:fontRef idx="minor">
+            <a:schemeClr val="lt1"/>
+          </a:fontRef>
+        </p:style>
+        <p:txBody>
+          <a:bodyPr rtlCol="0" anchor="ctr"/>
+          <a:lstStyle/>
+          <a:p>
+            <a:pPr algn="ctr"/>
+            <a:endParaRPr lang="en-US"/>
+          </a:p>
+        </p:txBody>
+      </p:sp>
       <p:sp>
         <p:nvSpPr>
           <p:cNvPr id="17" name="Google Shape;55;p13"/>
@@ -6473,7 +6516,7 @@
   <a:extraClrSchemeLst/>
   <a:extLst>
     <a:ext uri="{05A4C25C-085E-4340-85A3-A5531E510DB2}">
-      <thm15:themeFamily xmlns:thm15="http://schemas.microsoft.com/office/thememl/2012/main" xmlns="" name="Office Theme" id="{62F939B6-93AF-4DB8-9C6B-D6C7DFDC589F}" vid="{4A3C46E8-61CC-4603-A589-7422A47A8E4A}"/>
+      <thm15:themeFamily xmlns="" xmlns:thm15="http://schemas.microsoft.com/office/thememl/2012/main" name="Office Theme" id="{62F939B6-93AF-4DB8-9C6B-D6C7DFDC589F}" vid="{4A3C46E8-61CC-4603-A589-7422A47A8E4A}"/>
     </a:ext>
   </a:extLst>
 </a:theme>
